--- a/powerpoints/Sprint 4.pptx
+++ b/powerpoints/Sprint 4.pptx
@@ -5,18 +5,17 @@
     <p:sldMasterId id="2147483648" r:id="rId1"/>
   </p:sldMasterIdLst>
   <p:notesMasterIdLst>
-    <p:notesMasterId r:id="rId8"/>
+    <p:notesMasterId r:id="rId7"/>
   </p:notesMasterIdLst>
   <p:handoutMasterIdLst>
-    <p:handoutMasterId r:id="rId9"/>
+    <p:handoutMasterId r:id="rId8"/>
   </p:handoutMasterIdLst>
   <p:sldIdLst>
     <p:sldId id="277" r:id="rId2"/>
     <p:sldId id="278" r:id="rId3"/>
-    <p:sldId id="279" r:id="rId4"/>
-    <p:sldId id="280" r:id="rId5"/>
-    <p:sldId id="281" r:id="rId6"/>
-    <p:sldId id="274" r:id="rId7"/>
+    <p:sldId id="280" r:id="rId4"/>
+    <p:sldId id="281" r:id="rId5"/>
+    <p:sldId id="274" r:id="rId6"/>
   </p:sldIdLst>
   <p:sldSz cx="9144000" cy="6858000" type="screen4x3"/>
   <p:notesSz cx="6858000" cy="9144000"/>
@@ -117,7 +116,7 @@
   </p:defaultTextStyle>
   <p:extLst>
     <p:ext uri="{EFAFB233-063F-42B5-8137-9DF3F51BA10A}">
-      <p15:sldGuideLst xmlns:p15="http://schemas.microsoft.com/office/powerpoint/2012/main">
+      <p15:sldGuideLst xmlns:p15="http://schemas.microsoft.com/office/powerpoint/2012/main" xmlns="">
         <p15:guide id="1" orient="horz" pos="2160">
           <p15:clr>
             <a:srgbClr val="A4A3A4"/>
@@ -131,7 +130,7 @@
       </p15:sldGuideLst>
     </p:ext>
     <p:ext uri="{2D200454-40CA-4A62-9FC3-DE9A4176ACB9}">
-      <p15:notesGuideLst xmlns:p15="http://schemas.microsoft.com/office/powerpoint/2012/main">
+      <p15:notesGuideLst xmlns:p15="http://schemas.microsoft.com/office/powerpoint/2012/main" xmlns="">
         <p15:guide id="1" orient="horz" pos="2880">
           <p15:clr>
             <a:srgbClr val="A4A3A4"/>
@@ -231,7 +230,7 @@
             <a:fld id="{0264D8D3-2931-44A9-B334-5BFA9548357C}" type="datetimeFigureOut">
               <a:rPr lang="en-US" smtClean="0"/>
               <a:pPr/>
-              <a:t>Apr-04-15</a:t>
+              <a:t>4/4/2015</a:t>
             </a:fld>
             <a:endParaRPr lang="en-US"/>
           </a:p>
@@ -307,7 +306,7 @@
     </p:spTree>
     <p:extLst>
       <p:ext uri="{BB962C8B-B14F-4D97-AF65-F5344CB8AC3E}">
-        <p14:creationId xmlns:p14="http://schemas.microsoft.com/office/powerpoint/2010/main" val="395052657"/>
+        <p14:creationId xmlns:p14="http://schemas.microsoft.com/office/powerpoint/2010/main" xmlns="" val="395052657"/>
       </p:ext>
     </p:extLst>
   </p:cSld>
@@ -398,7 +397,7 @@
             <a:fld id="{0D52FC71-4605-44B8-B91E-E08CC08CE37E}" type="datetimeFigureOut">
               <a:rPr lang="en-US" smtClean="0"/>
               <a:pPr/>
-              <a:t>Apr-04-15</a:t>
+              <a:t>4/4/2015</a:t>
             </a:fld>
             <a:endParaRPr lang="en-US"/>
           </a:p>
@@ -569,7 +568,7 @@
     </p:spTree>
     <p:extLst>
       <p:ext uri="{BB962C8B-B14F-4D97-AF65-F5344CB8AC3E}">
-        <p14:creationId xmlns:p14="http://schemas.microsoft.com/office/powerpoint/2010/main" val="291334106"/>
+        <p14:creationId xmlns:p14="http://schemas.microsoft.com/office/powerpoint/2010/main" xmlns="" val="291334106"/>
       </p:ext>
     </p:extLst>
   </p:cSld>
@@ -737,7 +736,7 @@
             <a:fld id="{5FCE4A3C-90F1-4269-B571-96E475B950F2}" type="slidenum">
               <a:rPr lang="en-US" smtClean="0"/>
               <a:pPr/>
-              <a:t>6</a:t>
+              <a:t>5</a:t>
             </a:fld>
             <a:endParaRPr lang="en-US"/>
           </a:p>
@@ -746,7 +745,7 @@
     </p:spTree>
     <p:extLst>
       <p:ext uri="{BB962C8B-B14F-4D97-AF65-F5344CB8AC3E}">
-        <p14:creationId xmlns:p14="http://schemas.microsoft.com/office/powerpoint/2010/main" val="1753582780"/>
+        <p14:creationId xmlns:p14="http://schemas.microsoft.com/office/powerpoint/2010/main" xmlns="" val="1753582780"/>
       </p:ext>
     </p:extLst>
   </p:cSld>
@@ -966,7 +965,7 @@
             <a:fld id="{EDD6F47A-24E7-43E7-9208-1DEC7B32FB92}" type="datetime1">
               <a:rPr lang="en-US" smtClean="0"/>
               <a:pPr/>
-              <a:t>Apr-04-15</a:t>
+              <a:t>4/4/2015</a:t>
             </a:fld>
             <a:endParaRPr lang="en-US" dirty="0"/>
           </a:p>
@@ -1238,7 +1237,7 @@
             <a:fld id="{0E74CF96-A2C2-42EA-8707-6EDB896690DD}" type="datetime1">
               <a:rPr lang="en-US" smtClean="0"/>
               <a:pPr/>
-              <a:t>Apr-04-15</a:t>
+              <a:t>4/4/2015</a:t>
             </a:fld>
             <a:endParaRPr lang="en-US" dirty="0"/>
           </a:p>
@@ -1449,7 +1448,7 @@
             <a:fld id="{92D438F3-C605-4160-8B04-C6240AE9C337}" type="datetime1">
               <a:rPr lang="en-US" smtClean="0"/>
               <a:pPr/>
-              <a:t>Apr-04-15</a:t>
+              <a:t>4/4/2015</a:t>
             </a:fld>
             <a:endParaRPr lang="en-US" dirty="0"/>
           </a:p>
@@ -1652,7 +1651,7 @@
             <a:fld id="{8CCEB446-CAE2-4DDF-8603-C814EA3D1799}" type="datetime1">
               <a:rPr lang="en-US" smtClean="0"/>
               <a:pPr/>
-              <a:t>Apr-04-15</a:t>
+              <a:t>4/4/2015</a:t>
             </a:fld>
             <a:endParaRPr lang="en-US" dirty="0"/>
           </a:p>
@@ -1855,7 +1854,7 @@
             <a:fld id="{C7285E7B-D7D9-4B8B-837B-632B34D796E0}" type="datetime1">
               <a:rPr lang="en-US" smtClean="0"/>
               <a:pPr/>
-              <a:t>Apr-04-15</a:t>
+              <a:t>4/4/2015</a:t>
             </a:fld>
             <a:endParaRPr lang="en-US" dirty="0"/>
           </a:p>
@@ -2133,7 +2132,7 @@
             <a:fld id="{62BF2FED-CFA0-4C9E-B3D8-54D6C9F3677E}" type="datetime1">
               <a:rPr lang="en-US" smtClean="0"/>
               <a:pPr/>
-              <a:t>Apr-04-15</a:t>
+              <a:t>4/4/2015</a:t>
             </a:fld>
             <a:endParaRPr lang="en-US" dirty="0"/>
           </a:p>
@@ -2426,7 +2425,7 @@
             <a:fld id="{973E0EB6-9529-4D7B-84B7-A5AA04321066}" type="datetime1">
               <a:rPr lang="en-US" smtClean="0"/>
               <a:pPr/>
-              <a:t>Apr-04-15</a:t>
+              <a:t>4/4/2015</a:t>
             </a:fld>
             <a:endParaRPr lang="en-US" dirty="0"/>
           </a:p>
@@ -2854,7 +2853,7 @@
             <a:fld id="{7E29DEC9-2AA5-43A0-9E2B-77A66E3482E2}" type="datetime1">
               <a:rPr lang="en-US" smtClean="0"/>
               <a:pPr/>
-              <a:t>Apr-04-15</a:t>
+              <a:t>4/4/2015</a:t>
             </a:fld>
             <a:endParaRPr lang="en-US" dirty="0"/>
           </a:p>
@@ -3309,7 +3308,7 @@
             <a:fld id="{3B41F5DB-043C-4249-8492-541621BB7C9B}" type="datetime1">
               <a:rPr lang="en-US" smtClean="0"/>
               <a:pPr/>
-              <a:t>Apr-04-15</a:t>
+              <a:t>4/4/2015</a:t>
             </a:fld>
             <a:endParaRPr lang="en-US" dirty="0"/>
           </a:p>
@@ -3468,7 +3467,7 @@
             <a:fld id="{3FC9A497-93CF-43C1-805C-73F5A8554AFC}" type="datetime1">
               <a:rPr lang="en-US" smtClean="0"/>
               <a:pPr/>
-              <a:t>Apr-04-15</a:t>
+              <a:t>4/4/2015</a:t>
             </a:fld>
             <a:endParaRPr lang="en-US" dirty="0"/>
           </a:p>
@@ -3604,7 +3603,7 @@
             <a:fld id="{4EB7A087-7565-48B4-A469-6A7119E3797E}" type="datetime1">
               <a:rPr lang="en-US" smtClean="0"/>
               <a:pPr/>
-              <a:t>Apr-04-15</a:t>
+              <a:t>4/4/2015</a:t>
             </a:fld>
             <a:endParaRPr lang="en-US" dirty="0"/>
           </a:p>
@@ -3922,7 +3921,7 @@
             <a:fld id="{20AF293B-D803-49EC-8CFA-49272D77DC19}" type="datetime1">
               <a:rPr lang="en-US" smtClean="0"/>
               <a:pPr/>
-              <a:t>Apr-04-15</a:t>
+              <a:t>4/4/2015</a:t>
             </a:fld>
             <a:endParaRPr lang="en-US" dirty="0"/>
           </a:p>
@@ -4242,7 +4241,7 @@
             <a:fld id="{D49FA766-B207-4F4C-9CE3-80B0488B4608}" type="datetime1">
               <a:rPr lang="en-US" smtClean="0"/>
               <a:pPr/>
-              <a:t>Apr-04-15</a:t>
+              <a:t>4/4/2015</a:t>
             </a:fld>
             <a:endParaRPr lang="en-US" dirty="0"/>
           </a:p>
@@ -4613,7 +4612,6 @@
               <a:rPr lang="en-US" dirty="0" smtClean="0"/>
               <a:t>Sprint 3</a:t>
             </a:r>
-            <a:endParaRPr lang="en-US" dirty="0" smtClean="0"/>
           </a:p>
         </p:txBody>
       </p:sp>
@@ -4682,25 +4680,6 @@
       </p:sp>
       <p:sp>
         <p:nvSpPr>
-          <p:cNvPr id="3" name="Content Placeholder 2"/>
-          <p:cNvSpPr>
-            <a:spLocks noGrp="1"/>
-          </p:cNvSpPr>
-          <p:nvPr>
-            <p:ph idx="1"/>
-          </p:nvPr>
-        </p:nvSpPr>
-        <p:spPr/>
-        <p:txBody>
-          <a:bodyPr/>
-          <a:lstStyle/>
-          <a:p>
-            <a:endParaRPr lang="en-US"/>
-          </a:p>
-        </p:txBody>
-      </p:sp>
-      <p:sp>
-        <p:nvSpPr>
           <p:cNvPr id="4" name="Slide Number Placeholder 3"/>
           <p:cNvSpPr>
             <a:spLocks noGrp="1"/>
@@ -4723,21 +4702,95 @@
           </a:p>
         </p:txBody>
       </p:sp>
-      <p:sp>
-        <p:nvSpPr>
-          <p:cNvPr id="5" name="Footer Placeholder 4"/>
-          <p:cNvSpPr>
-            <a:spLocks noGrp="1"/>
-          </p:cNvSpPr>
-          <p:nvPr>
-            <p:ph type="ftr" sz="quarter" idx="12"/>
-          </p:nvPr>
-        </p:nvSpPr>
-        <p:spPr/>
-        <p:txBody>
-          <a:bodyPr/>
-          <a:lstStyle/>
-          <a:p>
+      <p:pic>
+        <p:nvPicPr>
+          <p:cNvPr id="1026" name="Picture 2"/>
+          <p:cNvPicPr>
+            <a:picLocks noChangeAspect="1" noChangeArrowheads="1"/>
+          </p:cNvPicPr>
+          <p:nvPr/>
+        </p:nvPicPr>
+        <p:blipFill>
+          <a:blip r:embed="rId2"/>
+          <a:srcRect/>
+          <a:stretch>
+            <a:fillRect/>
+          </a:stretch>
+        </p:blipFill>
+        <p:spPr bwMode="auto">
+          <a:xfrm>
+            <a:off x="762000" y="2133600"/>
+            <a:ext cx="2743200" cy="3429000"/>
+          </a:xfrm>
+          <a:prstGeom prst="rect">
+            <a:avLst/>
+          </a:prstGeom>
+          <a:noFill/>
+          <a:ln w="9525">
+            <a:noFill/>
+            <a:miter lim="800000"/>
+            <a:headEnd/>
+            <a:tailEnd/>
+          </a:ln>
+          <a:effectLst/>
+        </p:spPr>
+      </p:pic>
+      <p:sp>
+        <p:nvSpPr>
+          <p:cNvPr id="7" name="TextBox 6"/>
+          <p:cNvSpPr txBox="1"/>
+          <p:nvPr/>
+        </p:nvSpPr>
+        <p:spPr>
+          <a:xfrm>
+            <a:off x="5715000" y="2971800"/>
+            <a:ext cx="2163477" cy="369332"/>
+          </a:xfrm>
+          <a:prstGeom prst="rect">
+            <a:avLst/>
+          </a:prstGeom>
+          <a:noFill/>
+        </p:spPr>
+        <p:txBody>
+          <a:bodyPr wrap="none" rtlCol="0">
+            <a:spAutoFit/>
+          </a:bodyPr>
+          <a:lstStyle/>
+          <a:p>
+            <a:r>
+              <a:rPr lang="en-US" dirty="0" smtClean="0"/>
+              <a:t>Total Units Pulled: 18</a:t>
+            </a:r>
+            <a:endParaRPr lang="en-US" dirty="0"/>
+          </a:p>
+        </p:txBody>
+      </p:sp>
+      <p:sp>
+        <p:nvSpPr>
+          <p:cNvPr id="8" name="TextBox 7"/>
+          <p:cNvSpPr txBox="1"/>
+          <p:nvPr/>
+        </p:nvSpPr>
+        <p:spPr>
+          <a:xfrm>
+            <a:off x="5715000" y="3352800"/>
+            <a:ext cx="2610202" cy="369332"/>
+          </a:xfrm>
+          <a:prstGeom prst="rect">
+            <a:avLst/>
+          </a:prstGeom>
+          <a:noFill/>
+        </p:spPr>
+        <p:txBody>
+          <a:bodyPr wrap="none" rtlCol="0">
+            <a:spAutoFit/>
+          </a:bodyPr>
+          <a:lstStyle/>
+          <a:p>
+            <a:r>
+              <a:rPr lang="en-US" dirty="0" smtClean="0"/>
+              <a:t>Total Units Completed: 18</a:t>
+            </a:r>
             <a:endParaRPr lang="en-US" dirty="0"/>
           </a:p>
         </p:txBody>
@@ -4745,7 +4798,7 @@
     </p:spTree>
     <p:extLst>
       <p:ext uri="{BB962C8B-B14F-4D97-AF65-F5344CB8AC3E}">
-        <p14:creationId xmlns:p14="http://schemas.microsoft.com/office/powerpoint/2010/main" val="3769006437"/>
+        <p14:creationId xmlns:p14="http://schemas.microsoft.com/office/powerpoint/2010/main" xmlns="" val="3769006437"/>
       </p:ext>
     </p:extLst>
   </p:cSld>
@@ -4790,7 +4843,11 @@
           <a:bodyPr/>
           <a:lstStyle/>
           <a:p>
-            <a:endParaRPr lang="en-US"/>
+            <a:r>
+              <a:rPr lang="en-US" dirty="0" smtClean="0"/>
+              <a:t>Testing &amp; Code Coverage</a:t>
+            </a:r>
+            <a:endParaRPr lang="en-US" dirty="0"/>
           </a:p>
         </p:txBody>
       </p:sp>
@@ -4801,7 +4858,7 @@
             <a:spLocks noGrp="1"/>
           </p:cNvSpPr>
           <p:nvPr>
-            <p:ph sz="half" idx="1"/>
+            <p:ph idx="1"/>
           </p:nvPr>
         </p:nvSpPr>
         <p:spPr/>
@@ -4809,32 +4866,29 @@
           <a:bodyPr/>
           <a:lstStyle/>
           <a:p>
-            <a:endParaRPr lang="en-US"/>
-          </a:p>
-        </p:txBody>
-      </p:sp>
-      <p:sp>
-        <p:nvSpPr>
-          <p:cNvPr id="4" name="Content Placeholder 3"/>
-          <p:cNvSpPr>
-            <a:spLocks noGrp="1"/>
-          </p:cNvSpPr>
-          <p:nvPr>
-            <p:ph sz="half" idx="2"/>
-          </p:nvPr>
-        </p:nvSpPr>
-        <p:spPr/>
-        <p:txBody>
-          <a:bodyPr/>
-          <a:lstStyle/>
-          <a:p>
-            <a:endParaRPr lang="en-US"/>
-          </a:p>
-        </p:txBody>
-      </p:sp>
-      <p:sp>
-        <p:nvSpPr>
-          <p:cNvPr id="5" name="Slide Number Placeholder 4"/>
+            <a:r>
+              <a:rPr lang="en-US" dirty="0" smtClean="0"/>
+              <a:t>100% Pass rate on unit testing</a:t>
+            </a:r>
+          </a:p>
+          <a:p>
+            <a:r>
+              <a:rPr lang="en-US" dirty="0" smtClean="0"/>
+              <a:t>100% Pass rate on acceptance testing</a:t>
+            </a:r>
+          </a:p>
+          <a:p>
+            <a:r>
+              <a:rPr lang="en-US" dirty="0" smtClean="0"/>
+              <a:t>98% Code coverage</a:t>
+            </a:r>
+            <a:endParaRPr lang="en-US" dirty="0"/>
+          </a:p>
+        </p:txBody>
+      </p:sp>
+      <p:sp>
+        <p:nvSpPr>
+          <p:cNvPr id="4" name="Slide Number Placeholder 3"/>
           <p:cNvSpPr>
             <a:spLocks noGrp="1"/>
           </p:cNvSpPr>
@@ -4858,7 +4912,7 @@
       </p:sp>
       <p:sp>
         <p:nvSpPr>
-          <p:cNvPr id="6" name="Footer Placeholder 5"/>
+          <p:cNvPr id="5" name="Footer Placeholder 4"/>
           <p:cNvSpPr>
             <a:spLocks noGrp="1"/>
           </p:cNvSpPr>
@@ -4878,7 +4932,7 @@
     </p:spTree>
     <p:extLst>
       <p:ext uri="{BB962C8B-B14F-4D97-AF65-F5344CB8AC3E}">
-        <p14:creationId xmlns:p14="http://schemas.microsoft.com/office/powerpoint/2010/main" val="2308010338"/>
+        <p14:creationId xmlns:p14="http://schemas.microsoft.com/office/powerpoint/2010/main" xmlns="" val="242575127"/>
       </p:ext>
     </p:extLst>
   </p:cSld>
@@ -4924,10 +4978,9 @@
           <a:lstStyle/>
           <a:p>
             <a:r>
-              <a:rPr lang="en-US" dirty="0" smtClean="0"/>
-              <a:t>Testing &amp; Code Coverage</a:t>
-            </a:r>
-            <a:endParaRPr lang="en-US" dirty="0"/>
+              <a:rPr lang="en-US" dirty="0"/>
+              <a:t>Program Demos</a:t>
+            </a:r>
           </a:p>
         </p:txBody>
       </p:sp>
@@ -4946,7 +4999,7 @@
           <a:bodyPr/>
           <a:lstStyle/>
           <a:p>
-            <a:endParaRPr lang="en-US" dirty="0"/>
+            <a:endParaRPr lang="en-US"/>
           </a:p>
         </p:txBody>
       </p:sp>
@@ -4996,7 +5049,7 @@
     </p:spTree>
     <p:extLst>
       <p:ext uri="{BB962C8B-B14F-4D97-AF65-F5344CB8AC3E}">
-        <p14:creationId xmlns:p14="http://schemas.microsoft.com/office/powerpoint/2010/main" val="242575127"/>
+        <p14:creationId xmlns:p14="http://schemas.microsoft.com/office/powerpoint/2010/main" xmlns="" val="4246569213"/>
       </p:ext>
     </p:extLst>
   </p:cSld>
@@ -5036,123 +5089,6 @@
             <p:ph type="title"/>
           </p:nvPr>
         </p:nvSpPr>
-        <p:spPr/>
-        <p:txBody>
-          <a:bodyPr/>
-          <a:lstStyle/>
-          <a:p>
-            <a:r>
-              <a:rPr lang="en-US" dirty="0"/>
-              <a:t>Program Demos</a:t>
-            </a:r>
-          </a:p>
-        </p:txBody>
-      </p:sp>
-      <p:sp>
-        <p:nvSpPr>
-          <p:cNvPr id="3" name="Content Placeholder 2"/>
-          <p:cNvSpPr>
-            <a:spLocks noGrp="1"/>
-          </p:cNvSpPr>
-          <p:nvPr>
-            <p:ph idx="1"/>
-          </p:nvPr>
-        </p:nvSpPr>
-        <p:spPr/>
-        <p:txBody>
-          <a:bodyPr/>
-          <a:lstStyle/>
-          <a:p>
-            <a:endParaRPr lang="en-US"/>
-          </a:p>
-        </p:txBody>
-      </p:sp>
-      <p:sp>
-        <p:nvSpPr>
-          <p:cNvPr id="4" name="Slide Number Placeholder 3"/>
-          <p:cNvSpPr>
-            <a:spLocks noGrp="1"/>
-          </p:cNvSpPr>
-          <p:nvPr>
-            <p:ph type="sldNum" sz="quarter" idx="11"/>
-          </p:nvPr>
-        </p:nvSpPr>
-        <p:spPr/>
-        <p:txBody>
-          <a:bodyPr/>
-          <a:lstStyle/>
-          <a:p>
-            <a:fld id="{92CE3AC1-C231-4266-B594-3ACF466A7833}" type="slidenum">
-              <a:rPr lang="en-US" smtClean="0"/>
-              <a:pPr/>
-              <a:t>5</a:t>
-            </a:fld>
-            <a:endParaRPr lang="en-US" dirty="0"/>
-          </a:p>
-        </p:txBody>
-      </p:sp>
-      <p:sp>
-        <p:nvSpPr>
-          <p:cNvPr id="5" name="Footer Placeholder 4"/>
-          <p:cNvSpPr>
-            <a:spLocks noGrp="1"/>
-          </p:cNvSpPr>
-          <p:nvPr>
-            <p:ph type="ftr" sz="quarter" idx="12"/>
-          </p:nvPr>
-        </p:nvSpPr>
-        <p:spPr/>
-        <p:txBody>
-          <a:bodyPr/>
-          <a:lstStyle/>
-          <a:p>
-            <a:endParaRPr lang="en-US" dirty="0"/>
-          </a:p>
-        </p:txBody>
-      </p:sp>
-    </p:spTree>
-    <p:extLst>
-      <p:ext uri="{BB962C8B-B14F-4D97-AF65-F5344CB8AC3E}">
-        <p14:creationId xmlns:p14="http://schemas.microsoft.com/office/powerpoint/2010/main" val="4246569213"/>
-      </p:ext>
-    </p:extLst>
-  </p:cSld>
-  <p:clrMapOvr>
-    <a:masterClrMapping/>
-  </p:clrMapOvr>
-  <p:transition>
-    <p:fade thruBlk="1"/>
-  </p:transition>
-</p:sld>
-</file>
-
-<file path=ppt/slides/slide6.xml><?xml version="1.0" encoding="utf-8"?>
-<p:sld xmlns:a="http://schemas.openxmlformats.org/drawingml/2006/main" xmlns:r="http://schemas.openxmlformats.org/officeDocument/2006/relationships" xmlns:p="http://schemas.openxmlformats.org/presentationml/2006/main">
-  <p:cSld>
-    <p:spTree>
-      <p:nvGrpSpPr>
-        <p:cNvPr id="1" name=""/>
-        <p:cNvGrpSpPr/>
-        <p:nvPr/>
-      </p:nvGrpSpPr>
-      <p:grpSpPr>
-        <a:xfrm>
-          <a:off x="0" y="0"/>
-          <a:ext cx="0" cy="0"/>
-          <a:chOff x="0" y="0"/>
-          <a:chExt cx="0" cy="0"/>
-        </a:xfrm>
-      </p:grpSpPr>
-      <p:sp>
-        <p:nvSpPr>
-          <p:cNvPr id="2" name="Title 1"/>
-          <p:cNvSpPr>
-            <a:spLocks noGrp="1"/>
-          </p:cNvSpPr>
-          <p:nvPr>
-            <p:ph type="title"/>
-          </p:nvPr>
-        </p:nvSpPr>
         <p:spPr>
           <a:xfrm>
             <a:off x="381000" y="2414587"/>
@@ -5233,7 +5169,7 @@
             <a:fld id="{92CE3AC1-C231-4266-B594-3ACF466A7833}" type="slidenum">
               <a:rPr lang="en-US" smtClean="0"/>
               <a:pPr/>
-              <a:t>6</a:t>
+              <a:t>5</a:t>
             </a:fld>
             <a:endParaRPr lang="en-US" dirty="0"/>
           </a:p>

--- a/powerpoints/Sprint 4.pptx
+++ b/powerpoints/Sprint 4.pptx
@@ -5,17 +5,29 @@
     <p:sldMasterId id="2147483648" r:id="rId1"/>
   </p:sldMasterIdLst>
   <p:notesMasterIdLst>
-    <p:notesMasterId r:id="rId7"/>
+    <p:notesMasterId r:id="rId19"/>
   </p:notesMasterIdLst>
   <p:handoutMasterIdLst>
-    <p:handoutMasterId r:id="rId8"/>
+    <p:handoutMasterId r:id="rId20"/>
   </p:handoutMasterIdLst>
   <p:sldIdLst>
     <p:sldId id="277" r:id="rId2"/>
     <p:sldId id="278" r:id="rId3"/>
     <p:sldId id="280" r:id="rId4"/>
     <p:sldId id="281" r:id="rId5"/>
-    <p:sldId id="274" r:id="rId6"/>
+    <p:sldId id="282" r:id="rId6"/>
+    <p:sldId id="289" r:id="rId7"/>
+    <p:sldId id="284" r:id="rId8"/>
+    <p:sldId id="285" r:id="rId9"/>
+    <p:sldId id="286" r:id="rId10"/>
+    <p:sldId id="287" r:id="rId11"/>
+    <p:sldId id="290" r:id="rId12"/>
+    <p:sldId id="291" r:id="rId13"/>
+    <p:sldId id="288" r:id="rId14"/>
+    <p:sldId id="292" r:id="rId15"/>
+    <p:sldId id="293" r:id="rId16"/>
+    <p:sldId id="294" r:id="rId17"/>
+    <p:sldId id="274" r:id="rId18"/>
   </p:sldIdLst>
   <p:sldSz cx="9144000" cy="6858000" type="screen4x3"/>
   <p:notesSz cx="6858000" cy="9144000"/>
@@ -230,7 +242,7 @@
             <a:fld id="{0264D8D3-2931-44A9-B334-5BFA9548357C}" type="datetimeFigureOut">
               <a:rPr lang="en-US" smtClean="0"/>
               <a:pPr/>
-              <a:t>4/4/2015</a:t>
+              <a:t>4/6/2015</a:t>
             </a:fld>
             <a:endParaRPr lang="en-US"/>
           </a:p>
@@ -397,7 +409,7 @@
             <a:fld id="{0D52FC71-4605-44B8-B91E-E08CC08CE37E}" type="datetimeFigureOut">
               <a:rPr lang="en-US" smtClean="0"/>
               <a:pPr/>
-              <a:t>4/4/2015</a:t>
+              <a:t>4/6/2015</a:t>
             </a:fld>
             <a:endParaRPr lang="en-US"/>
           </a:p>
@@ -736,7 +748,7 @@
             <a:fld id="{5FCE4A3C-90F1-4269-B571-96E475B950F2}" type="slidenum">
               <a:rPr lang="en-US" smtClean="0"/>
               <a:pPr/>
-              <a:t>5</a:t>
+              <a:t>17</a:t>
             </a:fld>
             <a:endParaRPr lang="en-US"/>
           </a:p>
@@ -965,7 +977,7 @@
             <a:fld id="{EDD6F47A-24E7-43E7-9208-1DEC7B32FB92}" type="datetime1">
               <a:rPr lang="en-US" smtClean="0"/>
               <a:pPr/>
-              <a:t>4/4/2015</a:t>
+              <a:t>4/6/2015</a:t>
             </a:fld>
             <a:endParaRPr lang="en-US" dirty="0"/>
           </a:p>
@@ -1237,7 +1249,7 @@
             <a:fld id="{0E74CF96-A2C2-42EA-8707-6EDB896690DD}" type="datetime1">
               <a:rPr lang="en-US" smtClean="0"/>
               <a:pPr/>
-              <a:t>4/4/2015</a:t>
+              <a:t>4/6/2015</a:t>
             </a:fld>
             <a:endParaRPr lang="en-US" dirty="0"/>
           </a:p>
@@ -1448,7 +1460,7 @@
             <a:fld id="{92D438F3-C605-4160-8B04-C6240AE9C337}" type="datetime1">
               <a:rPr lang="en-US" smtClean="0"/>
               <a:pPr/>
-              <a:t>4/4/2015</a:t>
+              <a:t>4/6/2015</a:t>
             </a:fld>
             <a:endParaRPr lang="en-US" dirty="0"/>
           </a:p>
@@ -1651,7 +1663,7 @@
             <a:fld id="{8CCEB446-CAE2-4DDF-8603-C814EA3D1799}" type="datetime1">
               <a:rPr lang="en-US" smtClean="0"/>
               <a:pPr/>
-              <a:t>4/4/2015</a:t>
+              <a:t>4/6/2015</a:t>
             </a:fld>
             <a:endParaRPr lang="en-US" dirty="0"/>
           </a:p>
@@ -1854,7 +1866,7 @@
             <a:fld id="{C7285E7B-D7D9-4B8B-837B-632B34D796E0}" type="datetime1">
               <a:rPr lang="en-US" smtClean="0"/>
               <a:pPr/>
-              <a:t>4/4/2015</a:t>
+              <a:t>4/6/2015</a:t>
             </a:fld>
             <a:endParaRPr lang="en-US" dirty="0"/>
           </a:p>
@@ -2132,7 +2144,7 @@
             <a:fld id="{62BF2FED-CFA0-4C9E-B3D8-54D6C9F3677E}" type="datetime1">
               <a:rPr lang="en-US" smtClean="0"/>
               <a:pPr/>
-              <a:t>4/4/2015</a:t>
+              <a:t>4/6/2015</a:t>
             </a:fld>
             <a:endParaRPr lang="en-US" dirty="0"/>
           </a:p>
@@ -2425,7 +2437,7 @@
             <a:fld id="{973E0EB6-9529-4D7B-84B7-A5AA04321066}" type="datetime1">
               <a:rPr lang="en-US" smtClean="0"/>
               <a:pPr/>
-              <a:t>4/4/2015</a:t>
+              <a:t>4/6/2015</a:t>
             </a:fld>
             <a:endParaRPr lang="en-US" dirty="0"/>
           </a:p>
@@ -2853,7 +2865,7 @@
             <a:fld id="{7E29DEC9-2AA5-43A0-9E2B-77A66E3482E2}" type="datetime1">
               <a:rPr lang="en-US" smtClean="0"/>
               <a:pPr/>
-              <a:t>4/4/2015</a:t>
+              <a:t>4/6/2015</a:t>
             </a:fld>
             <a:endParaRPr lang="en-US" dirty="0"/>
           </a:p>
@@ -3308,7 +3320,7 @@
             <a:fld id="{3B41F5DB-043C-4249-8492-541621BB7C9B}" type="datetime1">
               <a:rPr lang="en-US" smtClean="0"/>
               <a:pPr/>
-              <a:t>4/4/2015</a:t>
+              <a:t>4/6/2015</a:t>
             </a:fld>
             <a:endParaRPr lang="en-US" dirty="0"/>
           </a:p>
@@ -3467,7 +3479,7 @@
             <a:fld id="{3FC9A497-93CF-43C1-805C-73F5A8554AFC}" type="datetime1">
               <a:rPr lang="en-US" smtClean="0"/>
               <a:pPr/>
-              <a:t>4/4/2015</a:t>
+              <a:t>4/6/2015</a:t>
             </a:fld>
             <a:endParaRPr lang="en-US" dirty="0"/>
           </a:p>
@@ -3603,7 +3615,7 @@
             <a:fld id="{4EB7A087-7565-48B4-A469-6A7119E3797E}" type="datetime1">
               <a:rPr lang="en-US" smtClean="0"/>
               <a:pPr/>
-              <a:t>4/4/2015</a:t>
+              <a:t>4/6/2015</a:t>
             </a:fld>
             <a:endParaRPr lang="en-US" dirty="0"/>
           </a:p>
@@ -3921,7 +3933,7 @@
             <a:fld id="{20AF293B-D803-49EC-8CFA-49272D77DC19}" type="datetime1">
               <a:rPr lang="en-US" smtClean="0"/>
               <a:pPr/>
-              <a:t>4/4/2015</a:t>
+              <a:t>4/6/2015</a:t>
             </a:fld>
             <a:endParaRPr lang="en-US" dirty="0"/>
           </a:p>
@@ -4241,7 +4253,7 @@
             <a:fld id="{D49FA766-B207-4F4C-9CE3-80B0488B4608}" type="datetime1">
               <a:rPr lang="en-US" smtClean="0"/>
               <a:pPr/>
-              <a:t>4/4/2015</a:t>
+              <a:t>4/6/2015</a:t>
             </a:fld>
             <a:endParaRPr lang="en-US" dirty="0"/>
           </a:p>
@@ -4633,6 +4645,1363 @@
 </p:sld>
 </file>
 
+<file path=ppt/slides/slide10.xml><?xml version="1.0" encoding="utf-8"?>
+<p:sld xmlns:a="http://schemas.openxmlformats.org/drawingml/2006/main" xmlns:r="http://schemas.openxmlformats.org/officeDocument/2006/relationships" xmlns:p="http://schemas.openxmlformats.org/presentationml/2006/main">
+  <p:cSld>
+    <p:spTree>
+      <p:nvGrpSpPr>
+        <p:cNvPr id="1" name=""/>
+        <p:cNvGrpSpPr/>
+        <p:nvPr/>
+      </p:nvGrpSpPr>
+      <p:grpSpPr>
+        <a:xfrm>
+          <a:off x="0" y="0"/>
+          <a:ext cx="0" cy="0"/>
+          <a:chOff x="0" y="0"/>
+          <a:chExt cx="0" cy="0"/>
+        </a:xfrm>
+      </p:grpSpPr>
+      <p:sp>
+        <p:nvSpPr>
+          <p:cNvPr id="2" name="Title 1"/>
+          <p:cNvSpPr>
+            <a:spLocks noGrp="1"/>
+          </p:cNvSpPr>
+          <p:nvPr>
+            <p:ph type="title"/>
+          </p:nvPr>
+        </p:nvSpPr>
+        <p:spPr/>
+        <p:txBody>
+          <a:bodyPr/>
+          <a:lstStyle/>
+          <a:p>
+            <a:r>
+              <a:rPr lang="en-US" dirty="0" smtClean="0"/>
+              <a:t>Running the </a:t>
+            </a:r>
+            <a:r>
+              <a:rPr lang="en-US" dirty="0" smtClean="0"/>
+              <a:t>Addition Demo</a:t>
+            </a:r>
+            <a:endParaRPr lang="en-US" dirty="0"/>
+          </a:p>
+        </p:txBody>
+      </p:sp>
+      <p:sp>
+        <p:nvSpPr>
+          <p:cNvPr id="3" name="Content Placeholder 2"/>
+          <p:cNvSpPr>
+            <a:spLocks noGrp="1"/>
+          </p:cNvSpPr>
+          <p:nvPr>
+            <p:ph idx="1"/>
+          </p:nvPr>
+        </p:nvSpPr>
+        <p:spPr/>
+        <p:txBody>
+          <a:bodyPr/>
+          <a:lstStyle/>
+          <a:p>
+            <a:r>
+              <a:rPr lang="en-US" dirty="0" smtClean="0"/>
+              <a:t>Ran with parameters:</a:t>
+            </a:r>
+            <a:endParaRPr lang="en-US" dirty="0" smtClean="0"/>
+          </a:p>
+          <a:p>
+            <a:endParaRPr lang="en-US" dirty="0" smtClean="0"/>
+          </a:p>
+          <a:p>
+            <a:endParaRPr lang="en-US" dirty="0" smtClean="0"/>
+          </a:p>
+          <a:p>
+            <a:r>
+              <a:rPr lang="en-US" dirty="0" smtClean="0"/>
+              <a:t>Result:</a:t>
+            </a:r>
+            <a:endParaRPr lang="en-US" dirty="0" smtClean="0"/>
+          </a:p>
+          <a:p>
+            <a:endParaRPr lang="en-US" dirty="0" smtClean="0"/>
+          </a:p>
+          <a:p>
+            <a:endParaRPr lang="en-US" dirty="0" smtClean="0"/>
+          </a:p>
+        </p:txBody>
+      </p:sp>
+      <p:sp>
+        <p:nvSpPr>
+          <p:cNvPr id="4" name="Slide Number Placeholder 3"/>
+          <p:cNvSpPr>
+            <a:spLocks noGrp="1"/>
+          </p:cNvSpPr>
+          <p:nvPr>
+            <p:ph type="sldNum" sz="quarter" idx="11"/>
+          </p:nvPr>
+        </p:nvSpPr>
+        <p:spPr/>
+        <p:txBody>
+          <a:bodyPr/>
+          <a:lstStyle/>
+          <a:p>
+            <a:fld id="{92CE3AC1-C231-4266-B594-3ACF466A7833}" type="slidenum">
+              <a:rPr lang="en-US" smtClean="0"/>
+              <a:pPr/>
+              <a:t>10</a:t>
+            </a:fld>
+            <a:endParaRPr lang="en-US" dirty="0"/>
+          </a:p>
+        </p:txBody>
+      </p:sp>
+      <p:pic>
+        <p:nvPicPr>
+          <p:cNvPr id="6146" name="Picture 2"/>
+          <p:cNvPicPr>
+            <a:picLocks noChangeAspect="1" noChangeArrowheads="1"/>
+          </p:cNvPicPr>
+          <p:nvPr/>
+        </p:nvPicPr>
+        <p:blipFill>
+          <a:blip r:embed="rId2"/>
+          <a:srcRect t="25806" b="35484"/>
+          <a:stretch>
+            <a:fillRect/>
+          </a:stretch>
+        </p:blipFill>
+        <p:spPr bwMode="auto">
+          <a:xfrm>
+            <a:off x="838200" y="2209800"/>
+            <a:ext cx="5276850" cy="228600"/>
+          </a:xfrm>
+          <a:prstGeom prst="rect">
+            <a:avLst/>
+          </a:prstGeom>
+          <a:noFill/>
+          <a:ln w="9525">
+            <a:noFill/>
+            <a:miter lim="800000"/>
+            <a:headEnd/>
+            <a:tailEnd/>
+          </a:ln>
+          <a:effectLst/>
+        </p:spPr>
+      </p:pic>
+      <p:pic>
+        <p:nvPicPr>
+          <p:cNvPr id="2050" name="Picture 2"/>
+          <p:cNvPicPr>
+            <a:picLocks noChangeAspect="1" noChangeArrowheads="1"/>
+          </p:cNvPicPr>
+          <p:nvPr/>
+        </p:nvPicPr>
+        <p:blipFill>
+          <a:blip r:embed="rId3"/>
+          <a:srcRect/>
+          <a:stretch>
+            <a:fillRect/>
+          </a:stretch>
+        </p:blipFill>
+        <p:spPr bwMode="auto">
+          <a:xfrm>
+            <a:off x="914400" y="4191000"/>
+            <a:ext cx="1143000" cy="438150"/>
+          </a:xfrm>
+          <a:prstGeom prst="rect">
+            <a:avLst/>
+          </a:prstGeom>
+          <a:noFill/>
+          <a:ln w="9525">
+            <a:noFill/>
+            <a:miter lim="800000"/>
+            <a:headEnd/>
+            <a:tailEnd/>
+          </a:ln>
+          <a:effectLst/>
+        </p:spPr>
+      </p:pic>
+    </p:spTree>
+  </p:cSld>
+  <p:clrMapOvr>
+    <a:masterClrMapping/>
+  </p:clrMapOvr>
+  <p:transition>
+    <p:fade thruBlk="1"/>
+  </p:transition>
+</p:sld>
+</file>
+
+<file path=ppt/slides/slide11.xml><?xml version="1.0" encoding="utf-8"?>
+<p:sld xmlns:a="http://schemas.openxmlformats.org/drawingml/2006/main" xmlns:r="http://schemas.openxmlformats.org/officeDocument/2006/relationships" xmlns:p="http://schemas.openxmlformats.org/presentationml/2006/main">
+  <p:cSld>
+    <p:spTree>
+      <p:nvGrpSpPr>
+        <p:cNvPr id="1" name=""/>
+        <p:cNvGrpSpPr/>
+        <p:nvPr/>
+      </p:nvGrpSpPr>
+      <p:grpSpPr>
+        <a:xfrm>
+          <a:off x="0" y="0"/>
+          <a:ext cx="0" cy="0"/>
+          <a:chOff x="0" y="0"/>
+          <a:chExt cx="0" cy="0"/>
+        </a:xfrm>
+      </p:grpSpPr>
+      <p:sp>
+        <p:nvSpPr>
+          <p:cNvPr id="2" name="Title 1"/>
+          <p:cNvSpPr>
+            <a:spLocks noGrp="1"/>
+          </p:cNvSpPr>
+          <p:nvPr>
+            <p:ph type="title"/>
+          </p:nvPr>
+        </p:nvSpPr>
+        <p:spPr/>
+        <p:txBody>
+          <a:bodyPr>
+            <a:normAutofit fontScale="90000"/>
+          </a:bodyPr>
+          <a:lstStyle/>
+          <a:p>
+            <a:r>
+              <a:rPr lang="en-US" dirty="0" smtClean="0"/>
+              <a:t>Running the Subtraction Demo</a:t>
+            </a:r>
+            <a:endParaRPr lang="en-US" dirty="0"/>
+          </a:p>
+        </p:txBody>
+      </p:sp>
+      <p:sp>
+        <p:nvSpPr>
+          <p:cNvPr id="3" name="Content Placeholder 2"/>
+          <p:cNvSpPr>
+            <a:spLocks noGrp="1"/>
+          </p:cNvSpPr>
+          <p:nvPr>
+            <p:ph idx="1"/>
+          </p:nvPr>
+        </p:nvSpPr>
+        <p:spPr/>
+        <p:txBody>
+          <a:bodyPr/>
+          <a:lstStyle/>
+          <a:p>
+            <a:r>
+              <a:rPr lang="en-US" dirty="0" smtClean="0"/>
+              <a:t>Ran with parameters:</a:t>
+            </a:r>
+          </a:p>
+          <a:p>
+            <a:endParaRPr lang="en-US" dirty="0" smtClean="0"/>
+          </a:p>
+          <a:p>
+            <a:endParaRPr lang="en-US" dirty="0" smtClean="0"/>
+          </a:p>
+          <a:p>
+            <a:r>
+              <a:rPr lang="en-US" dirty="0" smtClean="0"/>
+              <a:t>Result:</a:t>
+            </a:r>
+            <a:endParaRPr lang="en-US" dirty="0"/>
+          </a:p>
+        </p:txBody>
+      </p:sp>
+      <p:sp>
+        <p:nvSpPr>
+          <p:cNvPr id="4" name="Slide Number Placeholder 3"/>
+          <p:cNvSpPr>
+            <a:spLocks noGrp="1"/>
+          </p:cNvSpPr>
+          <p:nvPr>
+            <p:ph type="sldNum" sz="quarter" idx="11"/>
+          </p:nvPr>
+        </p:nvSpPr>
+        <p:spPr/>
+        <p:txBody>
+          <a:bodyPr/>
+          <a:lstStyle/>
+          <a:p>
+            <a:fld id="{92CE3AC1-C231-4266-B594-3ACF466A7833}" type="slidenum">
+              <a:rPr lang="en-US" smtClean="0"/>
+              <a:pPr/>
+              <a:t>11</a:t>
+            </a:fld>
+            <a:endParaRPr lang="en-US" dirty="0"/>
+          </a:p>
+        </p:txBody>
+      </p:sp>
+      <p:pic>
+        <p:nvPicPr>
+          <p:cNvPr id="6" name="Picture 4"/>
+          <p:cNvPicPr>
+            <a:picLocks noChangeAspect="1" noChangeArrowheads="1"/>
+          </p:cNvPicPr>
+          <p:nvPr/>
+        </p:nvPicPr>
+        <p:blipFill>
+          <a:blip r:embed="rId2"/>
+          <a:srcRect t="26230" b="34426"/>
+          <a:stretch>
+            <a:fillRect/>
+          </a:stretch>
+        </p:blipFill>
+        <p:spPr bwMode="auto">
+          <a:xfrm>
+            <a:off x="838200" y="2209800"/>
+            <a:ext cx="5029200" cy="228600"/>
+          </a:xfrm>
+          <a:prstGeom prst="rect">
+            <a:avLst/>
+          </a:prstGeom>
+          <a:noFill/>
+          <a:ln w="9525">
+            <a:noFill/>
+            <a:miter lim="800000"/>
+            <a:headEnd/>
+            <a:tailEnd/>
+          </a:ln>
+          <a:effectLst/>
+        </p:spPr>
+      </p:pic>
+      <p:pic>
+        <p:nvPicPr>
+          <p:cNvPr id="3074" name="Picture 2"/>
+          <p:cNvPicPr>
+            <a:picLocks noChangeAspect="1" noChangeArrowheads="1"/>
+          </p:cNvPicPr>
+          <p:nvPr/>
+        </p:nvPicPr>
+        <p:blipFill>
+          <a:blip r:embed="rId3"/>
+          <a:srcRect/>
+          <a:stretch>
+            <a:fillRect/>
+          </a:stretch>
+        </p:blipFill>
+        <p:spPr bwMode="auto">
+          <a:xfrm>
+            <a:off x="914400" y="4038600"/>
+            <a:ext cx="1133475" cy="447675"/>
+          </a:xfrm>
+          <a:prstGeom prst="rect">
+            <a:avLst/>
+          </a:prstGeom>
+          <a:noFill/>
+          <a:ln w="9525">
+            <a:noFill/>
+            <a:miter lim="800000"/>
+            <a:headEnd/>
+            <a:tailEnd/>
+          </a:ln>
+          <a:effectLst/>
+        </p:spPr>
+      </p:pic>
+    </p:spTree>
+  </p:cSld>
+  <p:clrMapOvr>
+    <a:masterClrMapping/>
+  </p:clrMapOvr>
+  <p:transition>
+    <p:fade thruBlk="1"/>
+  </p:transition>
+</p:sld>
+</file>
+
+<file path=ppt/slides/slide12.xml><?xml version="1.0" encoding="utf-8"?>
+<p:sld xmlns:a="http://schemas.openxmlformats.org/drawingml/2006/main" xmlns:r="http://schemas.openxmlformats.org/officeDocument/2006/relationships" xmlns:p="http://schemas.openxmlformats.org/presentationml/2006/main">
+  <p:cSld>
+    <p:spTree>
+      <p:nvGrpSpPr>
+        <p:cNvPr id="1" name=""/>
+        <p:cNvGrpSpPr/>
+        <p:nvPr/>
+      </p:nvGrpSpPr>
+      <p:grpSpPr>
+        <a:xfrm>
+          <a:off x="0" y="0"/>
+          <a:ext cx="0" cy="0"/>
+          <a:chOff x="0" y="0"/>
+          <a:chExt cx="0" cy="0"/>
+        </a:xfrm>
+      </p:grpSpPr>
+      <p:sp>
+        <p:nvSpPr>
+          <p:cNvPr id="2" name="Title 1"/>
+          <p:cNvSpPr>
+            <a:spLocks noGrp="1"/>
+          </p:cNvSpPr>
+          <p:nvPr>
+            <p:ph type="title"/>
+          </p:nvPr>
+        </p:nvSpPr>
+        <p:spPr/>
+        <p:txBody>
+          <a:bodyPr>
+            <a:normAutofit fontScale="90000"/>
+          </a:bodyPr>
+          <a:lstStyle/>
+          <a:p>
+            <a:r>
+              <a:rPr lang="en-US" dirty="0" smtClean="0"/>
+              <a:t>Running the Multiplication Demo</a:t>
+            </a:r>
+            <a:endParaRPr lang="en-US" dirty="0"/>
+          </a:p>
+        </p:txBody>
+      </p:sp>
+      <p:sp>
+        <p:nvSpPr>
+          <p:cNvPr id="3" name="Content Placeholder 2"/>
+          <p:cNvSpPr>
+            <a:spLocks noGrp="1"/>
+          </p:cNvSpPr>
+          <p:nvPr>
+            <p:ph idx="1"/>
+          </p:nvPr>
+        </p:nvSpPr>
+        <p:spPr/>
+        <p:txBody>
+          <a:bodyPr/>
+          <a:lstStyle/>
+          <a:p>
+            <a:r>
+              <a:rPr lang="en-US" dirty="0" smtClean="0"/>
+              <a:t>Ran with parameters:</a:t>
+            </a:r>
+          </a:p>
+          <a:p>
+            <a:endParaRPr lang="en-US" dirty="0" smtClean="0"/>
+          </a:p>
+          <a:p>
+            <a:endParaRPr lang="en-US" dirty="0" smtClean="0"/>
+          </a:p>
+          <a:p>
+            <a:r>
+              <a:rPr lang="en-US" dirty="0" smtClean="0"/>
+              <a:t>Result:</a:t>
+            </a:r>
+            <a:endParaRPr lang="en-US" dirty="0"/>
+          </a:p>
+        </p:txBody>
+      </p:sp>
+      <p:sp>
+        <p:nvSpPr>
+          <p:cNvPr id="4" name="Slide Number Placeholder 3"/>
+          <p:cNvSpPr>
+            <a:spLocks noGrp="1"/>
+          </p:cNvSpPr>
+          <p:nvPr>
+            <p:ph type="sldNum" sz="quarter" idx="11"/>
+          </p:nvPr>
+        </p:nvSpPr>
+        <p:spPr/>
+        <p:txBody>
+          <a:bodyPr/>
+          <a:lstStyle/>
+          <a:p>
+            <a:fld id="{92CE3AC1-C231-4266-B594-3ACF466A7833}" type="slidenum">
+              <a:rPr lang="en-US" smtClean="0"/>
+              <a:pPr/>
+              <a:t>12</a:t>
+            </a:fld>
+            <a:endParaRPr lang="en-US" dirty="0"/>
+          </a:p>
+        </p:txBody>
+      </p:sp>
+      <p:pic>
+        <p:nvPicPr>
+          <p:cNvPr id="6" name="Picture 3"/>
+          <p:cNvPicPr>
+            <a:picLocks noChangeAspect="1" noChangeArrowheads="1"/>
+          </p:cNvPicPr>
+          <p:nvPr/>
+        </p:nvPicPr>
+        <p:blipFill>
+          <a:blip r:embed="rId2"/>
+          <a:srcRect t="26667" b="33333"/>
+          <a:stretch>
+            <a:fillRect/>
+          </a:stretch>
+        </p:blipFill>
+        <p:spPr bwMode="auto">
+          <a:xfrm>
+            <a:off x="762000" y="2209800"/>
+            <a:ext cx="5629275" cy="228600"/>
+          </a:xfrm>
+          <a:prstGeom prst="rect">
+            <a:avLst/>
+          </a:prstGeom>
+          <a:noFill/>
+          <a:ln w="9525">
+            <a:noFill/>
+            <a:miter lim="800000"/>
+            <a:headEnd/>
+            <a:tailEnd/>
+          </a:ln>
+          <a:effectLst/>
+        </p:spPr>
+      </p:pic>
+      <p:pic>
+        <p:nvPicPr>
+          <p:cNvPr id="4099" name="Picture 3"/>
+          <p:cNvPicPr>
+            <a:picLocks noChangeAspect="1" noChangeArrowheads="1"/>
+          </p:cNvPicPr>
+          <p:nvPr/>
+        </p:nvPicPr>
+        <p:blipFill>
+          <a:blip r:embed="rId3"/>
+          <a:srcRect/>
+          <a:stretch>
+            <a:fillRect/>
+          </a:stretch>
+        </p:blipFill>
+        <p:spPr bwMode="auto">
+          <a:xfrm>
+            <a:off x="1066800" y="4191000"/>
+            <a:ext cx="1114425" cy="428625"/>
+          </a:xfrm>
+          <a:prstGeom prst="rect">
+            <a:avLst/>
+          </a:prstGeom>
+          <a:noFill/>
+          <a:ln w="9525">
+            <a:noFill/>
+            <a:miter lim="800000"/>
+            <a:headEnd/>
+            <a:tailEnd/>
+          </a:ln>
+          <a:effectLst/>
+        </p:spPr>
+      </p:pic>
+    </p:spTree>
+  </p:cSld>
+  <p:clrMapOvr>
+    <a:masterClrMapping/>
+  </p:clrMapOvr>
+  <p:transition>
+    <p:fade thruBlk="1"/>
+  </p:transition>
+</p:sld>
+</file>
+
+<file path=ppt/slides/slide13.xml><?xml version="1.0" encoding="utf-8"?>
+<p:sld xmlns:a="http://schemas.openxmlformats.org/drawingml/2006/main" xmlns:r="http://schemas.openxmlformats.org/officeDocument/2006/relationships" xmlns:p="http://schemas.openxmlformats.org/presentationml/2006/main">
+  <p:cSld>
+    <p:spTree>
+      <p:nvGrpSpPr>
+        <p:cNvPr id="1" name=""/>
+        <p:cNvGrpSpPr/>
+        <p:nvPr/>
+      </p:nvGrpSpPr>
+      <p:grpSpPr>
+        <a:xfrm>
+          <a:off x="0" y="0"/>
+          <a:ext cx="0" cy="0"/>
+          <a:chOff x="0" y="0"/>
+          <a:chExt cx="0" cy="0"/>
+        </a:xfrm>
+      </p:grpSpPr>
+      <p:sp>
+        <p:nvSpPr>
+          <p:cNvPr id="2" name="Title 1"/>
+          <p:cNvSpPr>
+            <a:spLocks noGrp="1"/>
+          </p:cNvSpPr>
+          <p:nvPr>
+            <p:ph type="title"/>
+          </p:nvPr>
+        </p:nvSpPr>
+        <p:spPr/>
+        <p:txBody>
+          <a:bodyPr/>
+          <a:lstStyle/>
+          <a:p>
+            <a:r>
+              <a:rPr lang="en-US" dirty="0" smtClean="0"/>
+              <a:t>Failing Mutual Exclusion</a:t>
+            </a:r>
+            <a:endParaRPr lang="en-US" dirty="0"/>
+          </a:p>
+        </p:txBody>
+      </p:sp>
+      <p:sp>
+        <p:nvSpPr>
+          <p:cNvPr id="3" name="Content Placeholder 2"/>
+          <p:cNvSpPr>
+            <a:spLocks noGrp="1"/>
+          </p:cNvSpPr>
+          <p:nvPr>
+            <p:ph idx="1"/>
+          </p:nvPr>
+        </p:nvSpPr>
+        <p:spPr/>
+        <p:txBody>
+          <a:bodyPr/>
+          <a:lstStyle/>
+          <a:p>
+            <a:r>
+              <a:rPr lang="en-US" dirty="0" smtClean="0"/>
+              <a:t>Trying to run previous demo with parameters:</a:t>
+            </a:r>
+          </a:p>
+          <a:p>
+            <a:endParaRPr lang="en-US" dirty="0" smtClean="0"/>
+          </a:p>
+          <a:p>
+            <a:r>
+              <a:rPr lang="en-US" dirty="0" smtClean="0"/>
+              <a:t>Result</a:t>
+            </a:r>
+          </a:p>
+          <a:p>
+            <a:pPr>
+              <a:buNone/>
+            </a:pPr>
+            <a:endParaRPr lang="en-US" dirty="0"/>
+          </a:p>
+        </p:txBody>
+      </p:sp>
+      <p:sp>
+        <p:nvSpPr>
+          <p:cNvPr id="4" name="Slide Number Placeholder 3"/>
+          <p:cNvSpPr>
+            <a:spLocks noGrp="1"/>
+          </p:cNvSpPr>
+          <p:nvPr>
+            <p:ph type="sldNum" sz="quarter" idx="11"/>
+          </p:nvPr>
+        </p:nvSpPr>
+        <p:spPr/>
+        <p:txBody>
+          <a:bodyPr/>
+          <a:lstStyle/>
+          <a:p>
+            <a:fld id="{92CE3AC1-C231-4266-B594-3ACF466A7833}" type="slidenum">
+              <a:rPr lang="en-US" smtClean="0"/>
+              <a:pPr/>
+              <a:t>13</a:t>
+            </a:fld>
+            <a:endParaRPr lang="en-US" dirty="0"/>
+          </a:p>
+        </p:txBody>
+      </p:sp>
+      <p:pic>
+        <p:nvPicPr>
+          <p:cNvPr id="7170" name="Picture 2"/>
+          <p:cNvPicPr>
+            <a:picLocks noChangeAspect="1" noChangeArrowheads="1"/>
+          </p:cNvPicPr>
+          <p:nvPr/>
+        </p:nvPicPr>
+        <p:blipFill>
+          <a:blip r:embed="rId2"/>
+          <a:srcRect t="25806" b="35484"/>
+          <a:stretch>
+            <a:fillRect/>
+          </a:stretch>
+        </p:blipFill>
+        <p:spPr bwMode="auto">
+          <a:xfrm>
+            <a:off x="1143000" y="2667000"/>
+            <a:ext cx="5553075" cy="228600"/>
+          </a:xfrm>
+          <a:prstGeom prst="rect">
+            <a:avLst/>
+          </a:prstGeom>
+          <a:noFill/>
+          <a:ln w="9525">
+            <a:noFill/>
+            <a:miter lim="800000"/>
+            <a:headEnd/>
+            <a:tailEnd/>
+          </a:ln>
+          <a:effectLst/>
+        </p:spPr>
+      </p:pic>
+      <p:pic>
+        <p:nvPicPr>
+          <p:cNvPr id="7" name="Picture 2"/>
+          <p:cNvPicPr>
+            <a:picLocks noChangeAspect="1" noChangeArrowheads="1"/>
+          </p:cNvPicPr>
+          <p:nvPr/>
+        </p:nvPicPr>
+        <p:blipFill>
+          <a:blip r:embed="rId3"/>
+          <a:srcRect/>
+          <a:stretch>
+            <a:fillRect/>
+          </a:stretch>
+        </p:blipFill>
+        <p:spPr bwMode="auto">
+          <a:xfrm>
+            <a:off x="1143000" y="4038600"/>
+            <a:ext cx="6486525" cy="1019175"/>
+          </a:xfrm>
+          <a:prstGeom prst="rect">
+            <a:avLst/>
+          </a:prstGeom>
+          <a:noFill/>
+          <a:ln w="9525">
+            <a:noFill/>
+            <a:miter lim="800000"/>
+            <a:headEnd/>
+            <a:tailEnd/>
+          </a:ln>
+          <a:effectLst/>
+        </p:spPr>
+      </p:pic>
+    </p:spTree>
+  </p:cSld>
+  <p:clrMapOvr>
+    <a:masterClrMapping/>
+  </p:clrMapOvr>
+  <p:transition>
+    <p:fade thruBlk="1"/>
+  </p:transition>
+</p:sld>
+</file>
+
+<file path=ppt/slides/slide14.xml><?xml version="1.0" encoding="utf-8"?>
+<p:sld xmlns:a="http://schemas.openxmlformats.org/drawingml/2006/main" xmlns:r="http://schemas.openxmlformats.org/officeDocument/2006/relationships" xmlns:p="http://schemas.openxmlformats.org/presentationml/2006/main">
+  <p:cSld>
+    <p:spTree>
+      <p:nvGrpSpPr>
+        <p:cNvPr id="1" name=""/>
+        <p:cNvGrpSpPr/>
+        <p:nvPr/>
+      </p:nvGrpSpPr>
+      <p:grpSpPr>
+        <a:xfrm>
+          <a:off x="0" y="0"/>
+          <a:ext cx="0" cy="0"/>
+          <a:chOff x="0" y="0"/>
+          <a:chExt cx="0" cy="0"/>
+        </a:xfrm>
+      </p:grpSpPr>
+      <p:sp>
+        <p:nvSpPr>
+          <p:cNvPr id="2" name="Title 1"/>
+          <p:cNvSpPr>
+            <a:spLocks noGrp="1"/>
+          </p:cNvSpPr>
+          <p:nvPr>
+            <p:ph type="title"/>
+          </p:nvPr>
+        </p:nvSpPr>
+        <p:spPr/>
+        <p:txBody>
+          <a:bodyPr/>
+          <a:lstStyle/>
+          <a:p>
+            <a:r>
+              <a:rPr lang="en-US" dirty="0" smtClean="0"/>
+              <a:t>Shorthand Use Demo</a:t>
+            </a:r>
+            <a:endParaRPr lang="en-US" dirty="0"/>
+          </a:p>
+        </p:txBody>
+      </p:sp>
+      <p:sp>
+        <p:nvSpPr>
+          <p:cNvPr id="4" name="Slide Number Placeholder 3"/>
+          <p:cNvSpPr>
+            <a:spLocks noGrp="1"/>
+          </p:cNvSpPr>
+          <p:nvPr>
+            <p:ph type="sldNum" sz="quarter" idx="11"/>
+          </p:nvPr>
+        </p:nvSpPr>
+        <p:spPr/>
+        <p:txBody>
+          <a:bodyPr/>
+          <a:lstStyle/>
+          <a:p>
+            <a:fld id="{92CE3AC1-C231-4266-B594-3ACF466A7833}" type="slidenum">
+              <a:rPr lang="en-US" smtClean="0"/>
+              <a:pPr/>
+              <a:t>14</a:t>
+            </a:fld>
+            <a:endParaRPr lang="en-US" dirty="0"/>
+          </a:p>
+        </p:txBody>
+      </p:sp>
+      <p:pic>
+        <p:nvPicPr>
+          <p:cNvPr id="5122" name="Picture 2"/>
+          <p:cNvPicPr>
+            <a:picLocks noChangeAspect="1" noChangeArrowheads="1"/>
+          </p:cNvPicPr>
+          <p:nvPr/>
+        </p:nvPicPr>
+        <p:blipFill>
+          <a:blip r:embed="rId2"/>
+          <a:srcRect/>
+          <a:stretch>
+            <a:fillRect/>
+          </a:stretch>
+        </p:blipFill>
+        <p:spPr bwMode="auto">
+          <a:xfrm>
+            <a:off x="990600" y="1752600"/>
+            <a:ext cx="7140407" cy="4829175"/>
+          </a:xfrm>
+          <a:prstGeom prst="rect">
+            <a:avLst/>
+          </a:prstGeom>
+          <a:noFill/>
+          <a:ln w="9525">
+            <a:noFill/>
+            <a:miter lim="800000"/>
+            <a:headEnd/>
+            <a:tailEnd/>
+          </a:ln>
+          <a:effectLst/>
+        </p:spPr>
+      </p:pic>
+    </p:spTree>
+  </p:cSld>
+  <p:clrMapOvr>
+    <a:masterClrMapping/>
+  </p:clrMapOvr>
+  <p:transition>
+    <p:fade thruBlk="1"/>
+  </p:transition>
+  <p:timing>
+    <p:tnLst>
+      <p:par>
+        <p:cTn id="1" dur="indefinite" restart="never" nodeType="tmRoot"/>
+      </p:par>
+    </p:tnLst>
+  </p:timing>
+</p:sld>
+</file>
+
+<file path=ppt/slides/slide15.xml><?xml version="1.0" encoding="utf-8"?>
+<p:sld xmlns:a="http://schemas.openxmlformats.org/drawingml/2006/main" xmlns:r="http://schemas.openxmlformats.org/officeDocument/2006/relationships" xmlns:p="http://schemas.openxmlformats.org/presentationml/2006/main">
+  <p:cSld>
+    <p:spTree>
+      <p:nvGrpSpPr>
+        <p:cNvPr id="1" name=""/>
+        <p:cNvGrpSpPr/>
+        <p:nvPr/>
+      </p:nvGrpSpPr>
+      <p:grpSpPr>
+        <a:xfrm>
+          <a:off x="0" y="0"/>
+          <a:ext cx="0" cy="0"/>
+          <a:chOff x="0" y="0"/>
+          <a:chExt cx="0" cy="0"/>
+        </a:xfrm>
+      </p:grpSpPr>
+      <p:sp>
+        <p:nvSpPr>
+          <p:cNvPr id="2" name="Title 1"/>
+          <p:cNvSpPr>
+            <a:spLocks noGrp="1"/>
+          </p:cNvSpPr>
+          <p:nvPr>
+            <p:ph type="title"/>
+          </p:nvPr>
+        </p:nvSpPr>
+        <p:spPr/>
+        <p:txBody>
+          <a:bodyPr/>
+          <a:lstStyle/>
+          <a:p>
+            <a:r>
+              <a:rPr lang="en-US" dirty="0" smtClean="0"/>
+              <a:t>Running Shorthand Demo</a:t>
+            </a:r>
+            <a:endParaRPr lang="en-US" dirty="0"/>
+          </a:p>
+        </p:txBody>
+      </p:sp>
+      <p:sp>
+        <p:nvSpPr>
+          <p:cNvPr id="3" name="Content Placeholder 2"/>
+          <p:cNvSpPr>
+            <a:spLocks noGrp="1"/>
+          </p:cNvSpPr>
+          <p:nvPr>
+            <p:ph idx="1"/>
+          </p:nvPr>
+        </p:nvSpPr>
+        <p:spPr/>
+        <p:txBody>
+          <a:bodyPr/>
+          <a:lstStyle/>
+          <a:p>
+            <a:r>
+              <a:rPr lang="en-US" dirty="0" smtClean="0"/>
+              <a:t>Ran with parameters:</a:t>
+            </a:r>
+          </a:p>
+          <a:p>
+            <a:endParaRPr lang="en-US" dirty="0" smtClean="0"/>
+          </a:p>
+          <a:p>
+            <a:endParaRPr lang="en-US" dirty="0" smtClean="0"/>
+          </a:p>
+          <a:p>
+            <a:r>
+              <a:rPr lang="en-US" dirty="0" smtClean="0"/>
+              <a:t>Result:</a:t>
+            </a:r>
+            <a:endParaRPr lang="en-US" dirty="0"/>
+          </a:p>
+        </p:txBody>
+      </p:sp>
+      <p:sp>
+        <p:nvSpPr>
+          <p:cNvPr id="4" name="Slide Number Placeholder 3"/>
+          <p:cNvSpPr>
+            <a:spLocks noGrp="1"/>
+          </p:cNvSpPr>
+          <p:nvPr>
+            <p:ph type="sldNum" sz="quarter" idx="11"/>
+          </p:nvPr>
+        </p:nvSpPr>
+        <p:spPr/>
+        <p:txBody>
+          <a:bodyPr/>
+          <a:lstStyle/>
+          <a:p>
+            <a:fld id="{92CE3AC1-C231-4266-B594-3ACF466A7833}" type="slidenum">
+              <a:rPr lang="en-US" smtClean="0"/>
+              <a:pPr/>
+              <a:t>15</a:t>
+            </a:fld>
+            <a:endParaRPr lang="en-US" dirty="0"/>
+          </a:p>
+        </p:txBody>
+      </p:sp>
+      <p:sp>
+        <p:nvSpPr>
+          <p:cNvPr id="5" name="Footer Placeholder 4"/>
+          <p:cNvSpPr>
+            <a:spLocks noGrp="1"/>
+          </p:cNvSpPr>
+          <p:nvPr>
+            <p:ph type="ftr" sz="quarter" idx="12"/>
+          </p:nvPr>
+        </p:nvSpPr>
+        <p:spPr/>
+        <p:txBody>
+          <a:bodyPr/>
+          <a:lstStyle/>
+          <a:p>
+            <a:endParaRPr lang="en-US" dirty="0"/>
+          </a:p>
+        </p:txBody>
+      </p:sp>
+      <p:pic>
+        <p:nvPicPr>
+          <p:cNvPr id="6146" name="Picture 2"/>
+          <p:cNvPicPr>
+            <a:picLocks noChangeAspect="1" noChangeArrowheads="1"/>
+          </p:cNvPicPr>
+          <p:nvPr/>
+        </p:nvPicPr>
+        <p:blipFill>
+          <a:blip r:embed="rId2"/>
+          <a:srcRect/>
+          <a:stretch>
+            <a:fillRect/>
+          </a:stretch>
+        </p:blipFill>
+        <p:spPr bwMode="auto">
+          <a:xfrm>
+            <a:off x="838200" y="2286000"/>
+            <a:ext cx="7067550" cy="200025"/>
+          </a:xfrm>
+          <a:prstGeom prst="rect">
+            <a:avLst/>
+          </a:prstGeom>
+          <a:noFill/>
+          <a:ln w="9525">
+            <a:noFill/>
+            <a:miter lim="800000"/>
+            <a:headEnd/>
+            <a:tailEnd/>
+          </a:ln>
+          <a:effectLst/>
+        </p:spPr>
+      </p:pic>
+      <p:pic>
+        <p:nvPicPr>
+          <p:cNvPr id="6147" name="Picture 3"/>
+          <p:cNvPicPr>
+            <a:picLocks noChangeAspect="1" noChangeArrowheads="1"/>
+          </p:cNvPicPr>
+          <p:nvPr/>
+        </p:nvPicPr>
+        <p:blipFill>
+          <a:blip r:embed="rId3"/>
+          <a:srcRect/>
+          <a:stretch>
+            <a:fillRect/>
+          </a:stretch>
+        </p:blipFill>
+        <p:spPr bwMode="auto">
+          <a:xfrm>
+            <a:off x="1676400" y="4114800"/>
+            <a:ext cx="2971800" cy="1114425"/>
+          </a:xfrm>
+          <a:prstGeom prst="rect">
+            <a:avLst/>
+          </a:prstGeom>
+          <a:noFill/>
+          <a:ln w="9525">
+            <a:noFill/>
+            <a:miter lim="800000"/>
+            <a:headEnd/>
+            <a:tailEnd/>
+          </a:ln>
+          <a:effectLst/>
+        </p:spPr>
+      </p:pic>
+    </p:spTree>
+  </p:cSld>
+  <p:clrMapOvr>
+    <a:masterClrMapping/>
+  </p:clrMapOvr>
+  <p:transition>
+    <p:fade thruBlk="1"/>
+  </p:transition>
+</p:sld>
+</file>
+
+<file path=ppt/slides/slide16.xml><?xml version="1.0" encoding="utf-8"?>
+<p:sld xmlns:a="http://schemas.openxmlformats.org/drawingml/2006/main" xmlns:r="http://schemas.openxmlformats.org/officeDocument/2006/relationships" xmlns:p="http://schemas.openxmlformats.org/presentationml/2006/main">
+  <p:cSld>
+    <p:spTree>
+      <p:nvGrpSpPr>
+        <p:cNvPr id="1" name=""/>
+        <p:cNvGrpSpPr/>
+        <p:nvPr/>
+      </p:nvGrpSpPr>
+      <p:grpSpPr>
+        <a:xfrm>
+          <a:off x="0" y="0"/>
+          <a:ext cx="0" cy="0"/>
+          <a:chOff x="0" y="0"/>
+          <a:chExt cx="0" cy="0"/>
+        </a:xfrm>
+      </p:grpSpPr>
+      <p:sp>
+        <p:nvSpPr>
+          <p:cNvPr id="2" name="Title 1"/>
+          <p:cNvSpPr>
+            <a:spLocks noGrp="1"/>
+          </p:cNvSpPr>
+          <p:nvPr>
+            <p:ph type="title"/>
+          </p:nvPr>
+        </p:nvSpPr>
+        <p:spPr/>
+        <p:txBody>
+          <a:bodyPr/>
+          <a:lstStyle/>
+          <a:p>
+            <a:r>
+              <a:rPr lang="en-US" dirty="0" smtClean="0"/>
+              <a:t>Failing Shorthand Demo</a:t>
+            </a:r>
+            <a:endParaRPr lang="en-US" dirty="0"/>
+          </a:p>
+        </p:txBody>
+      </p:sp>
+      <p:sp>
+        <p:nvSpPr>
+          <p:cNvPr id="3" name="Content Placeholder 2"/>
+          <p:cNvSpPr>
+            <a:spLocks noGrp="1"/>
+          </p:cNvSpPr>
+          <p:nvPr>
+            <p:ph idx="1"/>
+          </p:nvPr>
+        </p:nvSpPr>
+        <p:spPr/>
+        <p:txBody>
+          <a:bodyPr/>
+          <a:lstStyle/>
+          <a:p>
+            <a:r>
+              <a:rPr lang="en-US" dirty="0" smtClean="0"/>
+              <a:t>Ran with parameters:</a:t>
+            </a:r>
+          </a:p>
+          <a:p>
+            <a:endParaRPr lang="en-US" dirty="0" smtClean="0"/>
+          </a:p>
+          <a:p>
+            <a:endParaRPr lang="en-US" dirty="0" smtClean="0"/>
+          </a:p>
+          <a:p>
+            <a:r>
+              <a:rPr lang="en-US" dirty="0" smtClean="0"/>
+              <a:t>Result:</a:t>
+            </a:r>
+            <a:endParaRPr lang="en-US" dirty="0"/>
+          </a:p>
+        </p:txBody>
+      </p:sp>
+      <p:sp>
+        <p:nvSpPr>
+          <p:cNvPr id="4" name="Slide Number Placeholder 3"/>
+          <p:cNvSpPr>
+            <a:spLocks noGrp="1"/>
+          </p:cNvSpPr>
+          <p:nvPr>
+            <p:ph type="sldNum" sz="quarter" idx="11"/>
+          </p:nvPr>
+        </p:nvSpPr>
+        <p:spPr/>
+        <p:txBody>
+          <a:bodyPr/>
+          <a:lstStyle/>
+          <a:p>
+            <a:fld id="{92CE3AC1-C231-4266-B594-3ACF466A7833}" type="slidenum">
+              <a:rPr lang="en-US" smtClean="0"/>
+              <a:pPr/>
+              <a:t>16</a:t>
+            </a:fld>
+            <a:endParaRPr lang="en-US" dirty="0"/>
+          </a:p>
+        </p:txBody>
+      </p:sp>
+      <p:pic>
+        <p:nvPicPr>
+          <p:cNvPr id="7170" name="Picture 2"/>
+          <p:cNvPicPr>
+            <a:picLocks noChangeAspect="1" noChangeArrowheads="1"/>
+          </p:cNvPicPr>
+          <p:nvPr/>
+        </p:nvPicPr>
+        <p:blipFill>
+          <a:blip r:embed="rId2"/>
+          <a:srcRect/>
+          <a:stretch>
+            <a:fillRect/>
+          </a:stretch>
+        </p:blipFill>
+        <p:spPr bwMode="auto">
+          <a:xfrm>
+            <a:off x="838200" y="2286000"/>
+            <a:ext cx="7153275" cy="171450"/>
+          </a:xfrm>
+          <a:prstGeom prst="rect">
+            <a:avLst/>
+          </a:prstGeom>
+          <a:noFill/>
+          <a:ln w="9525">
+            <a:noFill/>
+            <a:miter lim="800000"/>
+            <a:headEnd/>
+            <a:tailEnd/>
+          </a:ln>
+          <a:effectLst/>
+        </p:spPr>
+      </p:pic>
+      <p:pic>
+        <p:nvPicPr>
+          <p:cNvPr id="7171" name="Picture 3"/>
+          <p:cNvPicPr>
+            <a:picLocks noChangeAspect="1" noChangeArrowheads="1"/>
+          </p:cNvPicPr>
+          <p:nvPr/>
+        </p:nvPicPr>
+        <p:blipFill>
+          <a:blip r:embed="rId3"/>
+          <a:srcRect/>
+          <a:stretch>
+            <a:fillRect/>
+          </a:stretch>
+        </p:blipFill>
+        <p:spPr bwMode="auto">
+          <a:xfrm>
+            <a:off x="990600" y="4267200"/>
+            <a:ext cx="6305550" cy="1000125"/>
+          </a:xfrm>
+          <a:prstGeom prst="rect">
+            <a:avLst/>
+          </a:prstGeom>
+          <a:noFill/>
+          <a:ln w="9525">
+            <a:noFill/>
+            <a:miter lim="800000"/>
+            <a:headEnd/>
+            <a:tailEnd/>
+          </a:ln>
+          <a:effectLst/>
+        </p:spPr>
+      </p:pic>
+    </p:spTree>
+  </p:cSld>
+  <p:clrMapOvr>
+    <a:masterClrMapping/>
+  </p:clrMapOvr>
+  <p:transition>
+    <p:fade thruBlk="1"/>
+  </p:transition>
+</p:sld>
+</file>
+
+<file path=ppt/slides/slide17.xml><?xml version="1.0" encoding="utf-8"?>
+<p:sld xmlns:a="http://schemas.openxmlformats.org/drawingml/2006/main" xmlns:r="http://schemas.openxmlformats.org/officeDocument/2006/relationships" xmlns:p="http://schemas.openxmlformats.org/presentationml/2006/main">
+  <p:cSld>
+    <p:spTree>
+      <p:nvGrpSpPr>
+        <p:cNvPr id="1" name=""/>
+        <p:cNvGrpSpPr/>
+        <p:nvPr/>
+      </p:nvGrpSpPr>
+      <p:grpSpPr>
+        <a:xfrm>
+          <a:off x="0" y="0"/>
+          <a:ext cx="0" cy="0"/>
+          <a:chOff x="0" y="0"/>
+          <a:chExt cx="0" cy="0"/>
+        </a:xfrm>
+      </p:grpSpPr>
+      <p:sp>
+        <p:nvSpPr>
+          <p:cNvPr id="2" name="Title 1"/>
+          <p:cNvSpPr>
+            <a:spLocks noGrp="1"/>
+          </p:cNvSpPr>
+          <p:nvPr>
+            <p:ph type="title"/>
+          </p:nvPr>
+        </p:nvSpPr>
+        <p:spPr>
+          <a:xfrm>
+            <a:off x="381000" y="2414587"/>
+            <a:ext cx="8153400" cy="1362075"/>
+          </a:xfrm>
+        </p:spPr>
+        <p:txBody>
+          <a:bodyPr/>
+          <a:lstStyle/>
+          <a:p>
+            <a:pPr algn="ctr"/>
+            <a:r>
+              <a:rPr lang="en-US" dirty="0" smtClean="0"/>
+              <a:t>Thank You For Your Time</a:t>
+            </a:r>
+            <a:endParaRPr lang="en-US" dirty="0"/>
+          </a:p>
+        </p:txBody>
+      </p:sp>
+      <p:sp>
+        <p:nvSpPr>
+          <p:cNvPr id="3" name="Text Placeholder 2"/>
+          <p:cNvSpPr>
+            <a:spLocks noGrp="1"/>
+          </p:cNvSpPr>
+          <p:nvPr>
+            <p:ph type="body" idx="1"/>
+          </p:nvPr>
+        </p:nvSpPr>
+        <p:spPr/>
+        <p:txBody>
+          <a:bodyPr/>
+          <a:lstStyle/>
+          <a:p>
+            <a:endParaRPr lang="en-US" dirty="0"/>
+          </a:p>
+        </p:txBody>
+      </p:sp>
+      <p:pic>
+        <p:nvPicPr>
+          <p:cNvPr id="4" name="Picture 3" descr="Picture1.png"/>
+          <p:cNvPicPr>
+            <a:picLocks noChangeAspect="1"/>
+          </p:cNvPicPr>
+          <p:nvPr/>
+        </p:nvPicPr>
+        <p:blipFill>
+          <a:blip r:embed="rId3" cstate="print"/>
+          <a:stretch>
+            <a:fillRect/>
+          </a:stretch>
+        </p:blipFill>
+        <p:spPr>
+          <a:xfrm>
+            <a:off x="0" y="5020817"/>
+            <a:ext cx="9144000" cy="1837183"/>
+          </a:xfrm>
+          <a:prstGeom prst="rect">
+            <a:avLst/>
+          </a:prstGeom>
+        </p:spPr>
+      </p:pic>
+      <p:sp>
+        <p:nvSpPr>
+          <p:cNvPr id="6" name="Slide Number Placeholder 5"/>
+          <p:cNvSpPr>
+            <a:spLocks noGrp="1"/>
+          </p:cNvSpPr>
+          <p:nvPr>
+            <p:ph type="sldNum" sz="quarter" idx="11"/>
+          </p:nvPr>
+        </p:nvSpPr>
+        <p:spPr/>
+        <p:txBody>
+          <a:bodyPr/>
+          <a:lstStyle/>
+          <a:p>
+            <a:fld id="{92CE3AC1-C231-4266-B594-3ACF466A7833}" type="slidenum">
+              <a:rPr lang="en-US" smtClean="0"/>
+              <a:pPr/>
+              <a:t>17</a:t>
+            </a:fld>
+            <a:endParaRPr lang="en-US" dirty="0"/>
+          </a:p>
+        </p:txBody>
+      </p:sp>
+      <p:sp>
+        <p:nvSpPr>
+          <p:cNvPr id="7" name="Footer Placeholder 6"/>
+          <p:cNvSpPr>
+            <a:spLocks noGrp="1"/>
+          </p:cNvSpPr>
+          <p:nvPr>
+            <p:ph type="ftr" sz="quarter" idx="12"/>
+          </p:nvPr>
+        </p:nvSpPr>
+        <p:spPr/>
+        <p:txBody>
+          <a:bodyPr/>
+          <a:lstStyle/>
+          <a:p>
+            <a:endParaRPr lang="en-US" dirty="0"/>
+          </a:p>
+        </p:txBody>
+      </p:sp>
+    </p:spTree>
+  </p:cSld>
+  <p:clrMapOvr>
+    <a:masterClrMapping/>
+  </p:clrMapOvr>
+  <p:transition>
+    <p:fade thruBlk="1"/>
+  </p:transition>
+  <p:timing>
+    <p:tnLst>
+      <p:par>
+        <p:cTn id="1" dur="indefinite" restart="never" nodeType="tmRoot"/>
+      </p:par>
+    </p:tnLst>
+  </p:timing>
+</p:sld>
+</file>
+
 <file path=ppt/slides/slide2.xml><?xml version="1.0" encoding="utf-8"?>
 <p:sld xmlns:a="http://schemas.openxmlformats.org/drawingml/2006/main" xmlns:r="http://schemas.openxmlformats.org/officeDocument/2006/relationships" xmlns:p="http://schemas.openxmlformats.org/presentationml/2006/main">
   <p:cSld>
@@ -4808,6 +6177,13 @@
   <p:transition>
     <p:fade thruBlk="1"/>
   </p:transition>
+  <p:timing>
+    <p:tnLst>
+      <p:par>
+        <p:cTn id="1" dur="indefinite" restart="never" nodeType="tmRoot"/>
+      </p:par>
+    </p:tnLst>
+  </p:timing>
 </p:sld>
 </file>
 
@@ -4880,7 +6256,7 @@
           <a:p>
             <a:r>
               <a:rPr lang="en-US" dirty="0" smtClean="0"/>
-              <a:t>98% Code coverage</a:t>
+              <a:t>99% Code coverage</a:t>
             </a:r>
             <a:endParaRPr lang="en-US" dirty="0"/>
           </a:p>
@@ -4942,6 +6318,13 @@
   <p:transition>
     <p:fade thruBlk="1"/>
   </p:transition>
+  <p:timing>
+    <p:tnLst>
+      <p:par>
+        <p:cTn id="1" dur="indefinite" restart="never" nodeType="tmRoot"/>
+      </p:par>
+    </p:tnLst>
+  </p:timing>
 </p:sld>
 </file>
 
@@ -4999,7 +6382,23 @@
           <a:bodyPr/>
           <a:lstStyle/>
           <a:p>
-            <a:endParaRPr lang="en-US"/>
+            <a:r>
+              <a:rPr lang="en-US" dirty="0" smtClean="0"/>
+              <a:t>All argument types covered</a:t>
+            </a:r>
+          </a:p>
+          <a:p>
+            <a:r>
+              <a:rPr lang="en-US" dirty="0" smtClean="0"/>
+              <a:t>Writes to XML files</a:t>
+            </a:r>
+          </a:p>
+          <a:p>
+            <a:r>
+              <a:rPr lang="en-US" dirty="0" smtClean="0"/>
+              <a:t>Reads from XML files</a:t>
+            </a:r>
+            <a:endParaRPr lang="en-US" dirty="0"/>
           </a:p>
         </p:txBody>
       </p:sp>
@@ -5059,6 +6458,13 @@
   <p:transition>
     <p:fade thruBlk="1"/>
   </p:transition>
+  <p:timing>
+    <p:tnLst>
+      <p:par>
+        <p:cTn id="1" dur="indefinite" restart="never" nodeType="tmRoot"/>
+      </p:par>
+    </p:tnLst>
+  </p:timing>
 </p:sld>
 </file>
 
@@ -5089,71 +6495,22 @@
             <p:ph type="title"/>
           </p:nvPr>
         </p:nvSpPr>
-        <p:spPr>
-          <a:xfrm>
-            <a:off x="381000" y="2414587"/>
-            <a:ext cx="8153400" cy="1362075"/>
-          </a:xfrm>
-        </p:spPr>
-        <p:txBody>
-          <a:bodyPr/>
-          <a:lstStyle/>
-          <a:p>
-            <a:pPr algn="ctr"/>
-            <a:r>
-              <a:rPr lang="en-US" dirty="0" smtClean="0"/>
-              <a:t>Thank You For Your Time</a:t>
-            </a:r>
-            <a:endParaRPr lang="en-US" dirty="0"/>
-          </a:p>
-        </p:txBody>
-      </p:sp>
-      <p:sp>
-        <p:nvSpPr>
-          <p:cNvPr id="3" name="Text Placeholder 2"/>
-          <p:cNvSpPr>
-            <a:spLocks noGrp="1"/>
-          </p:cNvSpPr>
-          <p:nvPr>
-            <p:ph type="body" idx="1"/>
-          </p:nvPr>
-        </p:nvSpPr>
-        <p:spPr/>
-        <p:txBody>
-          <a:bodyPr/>
-          <a:lstStyle/>
-          <a:p>
-            <a:endParaRPr lang="en-US" dirty="0"/>
-          </a:p>
-        </p:txBody>
-      </p:sp>
-      <p:pic>
-        <p:nvPicPr>
-          <p:cNvPr id="4" name="Picture 3" descr="Picture1.png"/>
-          <p:cNvPicPr>
-            <a:picLocks noChangeAspect="1"/>
-          </p:cNvPicPr>
-          <p:nvPr/>
-        </p:nvPicPr>
-        <p:blipFill>
-          <a:blip r:embed="rId3" cstate="print"/>
-          <a:stretch>
-            <a:fillRect/>
-          </a:stretch>
-        </p:blipFill>
-        <p:spPr>
-          <a:xfrm>
-            <a:off x="0" y="5020817"/>
-            <a:ext cx="9144000" cy="1837183"/>
-          </a:xfrm>
-          <a:prstGeom prst="rect">
-            <a:avLst/>
-          </a:prstGeom>
-        </p:spPr>
-      </p:pic>
-      <p:sp>
-        <p:nvSpPr>
-          <p:cNvPr id="6" name="Slide Number Placeholder 5"/>
+        <p:spPr/>
+        <p:txBody>
+          <a:bodyPr/>
+          <a:lstStyle/>
+          <a:p>
+            <a:r>
+              <a:rPr lang="en-US" dirty="0" smtClean="0"/>
+              <a:t>Writing Arguments</a:t>
+            </a:r>
+            <a:endParaRPr lang="en-US" dirty="0"/>
+          </a:p>
+        </p:txBody>
+      </p:sp>
+      <p:sp>
+        <p:nvSpPr>
+          <p:cNvPr id="4" name="Slide Number Placeholder 3"/>
           <p:cNvSpPr>
             <a:spLocks noGrp="1"/>
           </p:cNvSpPr>
@@ -5175,9 +6532,163 @@
           </a:p>
         </p:txBody>
       </p:sp>
-      <p:sp>
-        <p:nvSpPr>
-          <p:cNvPr id="7" name="Footer Placeholder 6"/>
+      <p:pic>
+        <p:nvPicPr>
+          <p:cNvPr id="1026" name="Picture 2"/>
+          <p:cNvPicPr>
+            <a:picLocks noChangeAspect="1" noChangeArrowheads="1"/>
+          </p:cNvPicPr>
+          <p:nvPr/>
+        </p:nvPicPr>
+        <p:blipFill>
+          <a:blip r:embed="rId2"/>
+          <a:srcRect/>
+          <a:stretch>
+            <a:fillRect/>
+          </a:stretch>
+        </p:blipFill>
+        <p:spPr bwMode="auto">
+          <a:xfrm>
+            <a:off x="228600" y="1828800"/>
+            <a:ext cx="8915400" cy="4371975"/>
+          </a:xfrm>
+          <a:prstGeom prst="rect">
+            <a:avLst/>
+          </a:prstGeom>
+          <a:noFill/>
+          <a:ln w="9525">
+            <a:noFill/>
+            <a:miter lim="800000"/>
+            <a:headEnd/>
+            <a:tailEnd/>
+          </a:ln>
+          <a:effectLst/>
+        </p:spPr>
+      </p:pic>
+    </p:spTree>
+  </p:cSld>
+  <p:clrMapOvr>
+    <a:masterClrMapping/>
+  </p:clrMapOvr>
+  <p:transition>
+    <p:fade thruBlk="1"/>
+  </p:transition>
+  <p:timing>
+    <p:tnLst>
+      <p:par>
+        <p:cTn id="1" dur="indefinite" restart="never" nodeType="tmRoot"/>
+      </p:par>
+    </p:tnLst>
+  </p:timing>
+</p:sld>
+</file>
+
+<file path=ppt/slides/slide6.xml><?xml version="1.0" encoding="utf-8"?>
+<p:sld xmlns:a="http://schemas.openxmlformats.org/drawingml/2006/main" xmlns:r="http://schemas.openxmlformats.org/officeDocument/2006/relationships" xmlns:p="http://schemas.openxmlformats.org/presentationml/2006/main">
+  <p:cSld>
+    <p:spTree>
+      <p:nvGrpSpPr>
+        <p:cNvPr id="1" name=""/>
+        <p:cNvGrpSpPr/>
+        <p:nvPr/>
+      </p:nvGrpSpPr>
+      <p:grpSpPr>
+        <a:xfrm>
+          <a:off x="0" y="0"/>
+          <a:ext cx="0" cy="0"/>
+          <a:chOff x="0" y="0"/>
+          <a:chExt cx="0" cy="0"/>
+        </a:xfrm>
+      </p:grpSpPr>
+      <p:sp>
+        <p:nvSpPr>
+          <p:cNvPr id="2" name="Title 1"/>
+          <p:cNvSpPr>
+            <a:spLocks noGrp="1"/>
+          </p:cNvSpPr>
+          <p:nvPr>
+            <p:ph type="title"/>
+          </p:nvPr>
+        </p:nvSpPr>
+        <p:spPr/>
+        <p:txBody>
+          <a:bodyPr/>
+          <a:lstStyle/>
+          <a:p>
+            <a:r>
+              <a:rPr lang="en-US" dirty="0" smtClean="0"/>
+              <a:t>Running XML Write Demo</a:t>
+            </a:r>
+            <a:endParaRPr lang="en-US" dirty="0"/>
+          </a:p>
+        </p:txBody>
+      </p:sp>
+      <p:sp>
+        <p:nvSpPr>
+          <p:cNvPr id="3" name="Content Placeholder 2"/>
+          <p:cNvSpPr>
+            <a:spLocks noGrp="1"/>
+          </p:cNvSpPr>
+          <p:nvPr>
+            <p:ph idx="1"/>
+          </p:nvPr>
+        </p:nvSpPr>
+        <p:spPr/>
+        <p:txBody>
+          <a:bodyPr/>
+          <a:lstStyle/>
+          <a:p>
+            <a:r>
+              <a:rPr lang="en-US" dirty="0" smtClean="0"/>
+              <a:t>Ran with parameters:</a:t>
+            </a:r>
+          </a:p>
+          <a:p>
+            <a:endParaRPr lang="en-US" dirty="0" smtClean="0"/>
+          </a:p>
+          <a:p>
+            <a:r>
+              <a:rPr lang="en-US" dirty="0" smtClean="0"/>
+              <a:t>Result:</a:t>
+            </a:r>
+            <a:br>
+              <a:rPr lang="en-US" dirty="0" smtClean="0"/>
+            </a:br>
+            <a:r>
+              <a:rPr lang="en-US" dirty="0" smtClean="0"/>
+              <a:t>	XML File</a:t>
+            </a:r>
+            <a:endParaRPr lang="en-US" dirty="0"/>
+          </a:p>
+        </p:txBody>
+      </p:sp>
+      <p:sp>
+        <p:nvSpPr>
+          <p:cNvPr id="4" name="Slide Number Placeholder 3"/>
+          <p:cNvSpPr>
+            <a:spLocks noGrp="1"/>
+          </p:cNvSpPr>
+          <p:nvPr>
+            <p:ph type="sldNum" sz="quarter" idx="11"/>
+          </p:nvPr>
+        </p:nvSpPr>
+        <p:spPr/>
+        <p:txBody>
+          <a:bodyPr/>
+          <a:lstStyle/>
+          <a:p>
+            <a:fld id="{92CE3AC1-C231-4266-B594-3ACF466A7833}" type="slidenum">
+              <a:rPr lang="en-US" smtClean="0"/>
+              <a:pPr/>
+              <a:t>6</a:t>
+            </a:fld>
+            <a:endParaRPr lang="en-US" dirty="0"/>
+          </a:p>
+        </p:txBody>
+      </p:sp>
+      <p:sp>
+        <p:nvSpPr>
+          <p:cNvPr id="5" name="Footer Placeholder 4"/>
           <p:cNvSpPr>
             <a:spLocks noGrp="1"/>
           </p:cNvSpPr>
@@ -5194,6 +6705,462 @@
           </a:p>
         </p:txBody>
       </p:sp>
+      <p:pic>
+        <p:nvPicPr>
+          <p:cNvPr id="6" name="Picture 2"/>
+          <p:cNvPicPr>
+            <a:picLocks noChangeAspect="1" noChangeArrowheads="1"/>
+          </p:cNvPicPr>
+          <p:nvPr/>
+        </p:nvPicPr>
+        <p:blipFill>
+          <a:blip r:embed="rId2"/>
+          <a:srcRect t="25397" b="36508"/>
+          <a:stretch>
+            <a:fillRect/>
+          </a:stretch>
+        </p:blipFill>
+        <p:spPr bwMode="auto">
+          <a:xfrm>
+            <a:off x="762000" y="2133600"/>
+            <a:ext cx="7162800" cy="228600"/>
+          </a:xfrm>
+          <a:prstGeom prst="rect">
+            <a:avLst/>
+          </a:prstGeom>
+          <a:noFill/>
+          <a:ln w="9525">
+            <a:noFill/>
+            <a:miter lim="800000"/>
+            <a:headEnd/>
+            <a:tailEnd/>
+          </a:ln>
+          <a:effectLst/>
+        </p:spPr>
+      </p:pic>
+    </p:spTree>
+  </p:cSld>
+  <p:clrMapOvr>
+    <a:masterClrMapping/>
+  </p:clrMapOvr>
+  <p:transition>
+    <p:fade thruBlk="1"/>
+  </p:transition>
+</p:sld>
+</file>
+
+<file path=ppt/slides/slide7.xml><?xml version="1.0" encoding="utf-8"?>
+<p:sld xmlns:a="http://schemas.openxmlformats.org/drawingml/2006/main" xmlns:r="http://schemas.openxmlformats.org/officeDocument/2006/relationships" xmlns:p="http://schemas.openxmlformats.org/presentationml/2006/main">
+  <p:cSld>
+    <p:spTree>
+      <p:nvGrpSpPr>
+        <p:cNvPr id="1" name=""/>
+        <p:cNvGrpSpPr/>
+        <p:nvPr/>
+      </p:nvGrpSpPr>
+      <p:grpSpPr>
+        <a:xfrm>
+          <a:off x="0" y="0"/>
+          <a:ext cx="0" cy="0"/>
+          <a:chOff x="0" y="0"/>
+          <a:chExt cx="0" cy="0"/>
+        </a:xfrm>
+      </p:grpSpPr>
+      <p:sp>
+        <p:nvSpPr>
+          <p:cNvPr id="2" name="Title 1"/>
+          <p:cNvSpPr>
+            <a:spLocks noGrp="1"/>
+          </p:cNvSpPr>
+          <p:nvPr>
+            <p:ph type="title"/>
+          </p:nvPr>
+        </p:nvSpPr>
+        <p:spPr/>
+        <p:txBody>
+          <a:bodyPr/>
+          <a:lstStyle/>
+          <a:p>
+            <a:r>
+              <a:rPr lang="en-US" dirty="0" smtClean="0"/>
+              <a:t>Loading Arguments</a:t>
+            </a:r>
+            <a:endParaRPr lang="en-US" dirty="0"/>
+          </a:p>
+        </p:txBody>
+      </p:sp>
+      <p:sp>
+        <p:nvSpPr>
+          <p:cNvPr id="4" name="Slide Number Placeholder 3"/>
+          <p:cNvSpPr>
+            <a:spLocks noGrp="1"/>
+          </p:cNvSpPr>
+          <p:nvPr>
+            <p:ph type="sldNum" sz="quarter" idx="11"/>
+          </p:nvPr>
+        </p:nvSpPr>
+        <p:spPr/>
+        <p:txBody>
+          <a:bodyPr/>
+          <a:lstStyle/>
+          <a:p>
+            <a:fld id="{92CE3AC1-C231-4266-B594-3ACF466A7833}" type="slidenum">
+              <a:rPr lang="en-US" smtClean="0"/>
+              <a:pPr/>
+              <a:t>7</a:t>
+            </a:fld>
+            <a:endParaRPr lang="en-US" dirty="0"/>
+          </a:p>
+        </p:txBody>
+      </p:sp>
+      <p:pic>
+        <p:nvPicPr>
+          <p:cNvPr id="3074" name="Picture 2"/>
+          <p:cNvPicPr>
+            <a:picLocks noChangeAspect="1" noChangeArrowheads="1"/>
+          </p:cNvPicPr>
+          <p:nvPr/>
+        </p:nvPicPr>
+        <p:blipFill>
+          <a:blip r:embed="rId2"/>
+          <a:srcRect/>
+          <a:stretch>
+            <a:fillRect/>
+          </a:stretch>
+        </p:blipFill>
+        <p:spPr bwMode="auto">
+          <a:xfrm>
+            <a:off x="0" y="1828800"/>
+            <a:ext cx="9144000" cy="3286125"/>
+          </a:xfrm>
+          <a:prstGeom prst="rect">
+            <a:avLst/>
+          </a:prstGeom>
+          <a:noFill/>
+          <a:ln w="9525">
+            <a:noFill/>
+            <a:miter lim="800000"/>
+            <a:headEnd/>
+            <a:tailEnd/>
+          </a:ln>
+          <a:effectLst/>
+        </p:spPr>
+      </p:pic>
+    </p:spTree>
+  </p:cSld>
+  <p:clrMapOvr>
+    <a:masterClrMapping/>
+  </p:clrMapOvr>
+  <p:transition>
+    <p:fade thruBlk="1"/>
+  </p:transition>
+  <p:timing>
+    <p:tnLst>
+      <p:par>
+        <p:cTn id="1" dur="indefinite" restart="never" nodeType="tmRoot"/>
+      </p:par>
+    </p:tnLst>
+  </p:timing>
+</p:sld>
+</file>
+
+<file path=ppt/slides/slide8.xml><?xml version="1.0" encoding="utf-8"?>
+<p:sld xmlns:a="http://schemas.openxmlformats.org/drawingml/2006/main" xmlns:r="http://schemas.openxmlformats.org/officeDocument/2006/relationships" xmlns:p="http://schemas.openxmlformats.org/presentationml/2006/main">
+  <p:cSld>
+    <p:spTree>
+      <p:nvGrpSpPr>
+        <p:cNvPr id="1" name=""/>
+        <p:cNvGrpSpPr/>
+        <p:nvPr/>
+      </p:nvGrpSpPr>
+      <p:grpSpPr>
+        <a:xfrm>
+          <a:off x="0" y="0"/>
+          <a:ext cx="0" cy="0"/>
+          <a:chOff x="0" y="0"/>
+          <a:chExt cx="0" cy="0"/>
+        </a:xfrm>
+      </p:grpSpPr>
+      <p:sp>
+        <p:nvSpPr>
+          <p:cNvPr id="2" name="Title 1"/>
+          <p:cNvSpPr>
+            <a:spLocks noGrp="1"/>
+          </p:cNvSpPr>
+          <p:nvPr>
+            <p:ph type="title"/>
+          </p:nvPr>
+        </p:nvSpPr>
+        <p:spPr/>
+        <p:txBody>
+          <a:bodyPr/>
+          <a:lstStyle/>
+          <a:p>
+            <a:r>
+              <a:rPr lang="en-US" dirty="0" smtClean="0"/>
+              <a:t>Running XML </a:t>
+            </a:r>
+            <a:r>
+              <a:rPr lang="en-US" dirty="0" smtClean="0"/>
+              <a:t>Load </a:t>
+            </a:r>
+            <a:r>
+              <a:rPr lang="en-US" dirty="0" smtClean="0"/>
+              <a:t>Demo</a:t>
+            </a:r>
+            <a:endParaRPr lang="en-US" dirty="0"/>
+          </a:p>
+        </p:txBody>
+      </p:sp>
+      <p:sp>
+        <p:nvSpPr>
+          <p:cNvPr id="3" name="Content Placeholder 2"/>
+          <p:cNvSpPr>
+            <a:spLocks noGrp="1"/>
+          </p:cNvSpPr>
+          <p:nvPr>
+            <p:ph idx="1"/>
+          </p:nvPr>
+        </p:nvSpPr>
+        <p:spPr/>
+        <p:txBody>
+          <a:bodyPr/>
+          <a:lstStyle/>
+          <a:p>
+            <a:r>
+              <a:rPr lang="en-US" dirty="0" smtClean="0"/>
+              <a:t>Ran with parameters:</a:t>
+            </a:r>
+          </a:p>
+          <a:p>
+            <a:endParaRPr lang="en-US" dirty="0" smtClean="0"/>
+          </a:p>
+          <a:p>
+            <a:r>
+              <a:rPr lang="en-US" dirty="0" smtClean="0"/>
+              <a:t>Result:</a:t>
+            </a:r>
+            <a:endParaRPr lang="en-US" dirty="0" smtClean="0"/>
+          </a:p>
+        </p:txBody>
+      </p:sp>
+      <p:sp>
+        <p:nvSpPr>
+          <p:cNvPr id="4" name="Slide Number Placeholder 3"/>
+          <p:cNvSpPr>
+            <a:spLocks noGrp="1"/>
+          </p:cNvSpPr>
+          <p:nvPr>
+            <p:ph type="sldNum" sz="quarter" idx="11"/>
+          </p:nvPr>
+        </p:nvSpPr>
+        <p:spPr/>
+        <p:txBody>
+          <a:bodyPr/>
+          <a:lstStyle/>
+          <a:p>
+            <a:fld id="{92CE3AC1-C231-4266-B594-3ACF466A7833}" type="slidenum">
+              <a:rPr lang="en-US" smtClean="0"/>
+              <a:pPr/>
+              <a:t>8</a:t>
+            </a:fld>
+            <a:endParaRPr lang="en-US" dirty="0"/>
+          </a:p>
+        </p:txBody>
+      </p:sp>
+      <p:sp>
+        <p:nvSpPr>
+          <p:cNvPr id="5" name="Footer Placeholder 4"/>
+          <p:cNvSpPr>
+            <a:spLocks noGrp="1"/>
+          </p:cNvSpPr>
+          <p:nvPr>
+            <p:ph type="ftr" sz="quarter" idx="12"/>
+          </p:nvPr>
+        </p:nvSpPr>
+        <p:spPr/>
+        <p:txBody>
+          <a:bodyPr/>
+          <a:lstStyle/>
+          <a:p>
+            <a:endParaRPr lang="en-US" dirty="0"/>
+          </a:p>
+        </p:txBody>
+      </p:sp>
+      <p:pic>
+        <p:nvPicPr>
+          <p:cNvPr id="4099" name="Picture 3"/>
+          <p:cNvPicPr>
+            <a:picLocks noChangeAspect="1" noChangeArrowheads="1"/>
+          </p:cNvPicPr>
+          <p:nvPr/>
+        </p:nvPicPr>
+        <p:blipFill>
+          <a:blip r:embed="rId2"/>
+          <a:srcRect t="35821" b="40298"/>
+          <a:stretch>
+            <a:fillRect/>
+          </a:stretch>
+        </p:blipFill>
+        <p:spPr bwMode="auto">
+          <a:xfrm>
+            <a:off x="228600" y="2133600"/>
+            <a:ext cx="8686800" cy="152400"/>
+          </a:xfrm>
+          <a:prstGeom prst="rect">
+            <a:avLst/>
+          </a:prstGeom>
+          <a:noFill/>
+          <a:ln w="9525">
+            <a:noFill/>
+            <a:miter lim="800000"/>
+            <a:headEnd/>
+            <a:tailEnd/>
+          </a:ln>
+          <a:effectLst/>
+        </p:spPr>
+      </p:pic>
+      <p:pic>
+        <p:nvPicPr>
+          <p:cNvPr id="1026" name="Picture 2"/>
+          <p:cNvPicPr>
+            <a:picLocks noChangeAspect="1" noChangeArrowheads="1"/>
+          </p:cNvPicPr>
+          <p:nvPr/>
+        </p:nvPicPr>
+        <p:blipFill>
+          <a:blip r:embed="rId3"/>
+          <a:srcRect/>
+          <a:stretch>
+            <a:fillRect/>
+          </a:stretch>
+        </p:blipFill>
+        <p:spPr bwMode="auto">
+          <a:xfrm>
+            <a:off x="914400" y="3352800"/>
+            <a:ext cx="5162550" cy="285750"/>
+          </a:xfrm>
+          <a:prstGeom prst="rect">
+            <a:avLst/>
+          </a:prstGeom>
+          <a:noFill/>
+          <a:ln w="9525">
+            <a:noFill/>
+            <a:miter lim="800000"/>
+            <a:headEnd/>
+            <a:tailEnd/>
+          </a:ln>
+          <a:effectLst/>
+        </p:spPr>
+      </p:pic>
+    </p:spTree>
+  </p:cSld>
+  <p:clrMapOvr>
+    <a:masterClrMapping/>
+  </p:clrMapOvr>
+  <p:transition>
+    <p:fade thruBlk="1"/>
+  </p:transition>
+</p:sld>
+</file>
+
+<file path=ppt/slides/slide9.xml><?xml version="1.0" encoding="utf-8"?>
+<p:sld xmlns:a="http://schemas.openxmlformats.org/drawingml/2006/main" xmlns:r="http://schemas.openxmlformats.org/officeDocument/2006/relationships" xmlns:p="http://schemas.openxmlformats.org/presentationml/2006/main">
+  <p:cSld>
+    <p:spTree>
+      <p:nvGrpSpPr>
+        <p:cNvPr id="1" name=""/>
+        <p:cNvGrpSpPr/>
+        <p:nvPr/>
+      </p:nvGrpSpPr>
+      <p:grpSpPr>
+        <a:xfrm>
+          <a:off x="0" y="0"/>
+          <a:ext cx="0" cy="0"/>
+          <a:chOff x="0" y="0"/>
+          <a:chExt cx="0" cy="0"/>
+        </a:xfrm>
+      </p:grpSpPr>
+      <p:sp>
+        <p:nvSpPr>
+          <p:cNvPr id="2" name="Title 1"/>
+          <p:cNvSpPr>
+            <a:spLocks noGrp="1"/>
+          </p:cNvSpPr>
+          <p:nvPr>
+            <p:ph type="title"/>
+          </p:nvPr>
+        </p:nvSpPr>
+        <p:spPr/>
+        <p:txBody>
+          <a:bodyPr/>
+          <a:lstStyle/>
+          <a:p>
+            <a:r>
+              <a:rPr lang="en-US" dirty="0" smtClean="0"/>
+              <a:t>Mutually Exclusive Demo</a:t>
+            </a:r>
+            <a:endParaRPr lang="en-US" dirty="0"/>
+          </a:p>
+        </p:txBody>
+      </p:sp>
+      <p:sp>
+        <p:nvSpPr>
+          <p:cNvPr id="4" name="Slide Number Placeholder 3"/>
+          <p:cNvSpPr>
+            <a:spLocks noGrp="1"/>
+          </p:cNvSpPr>
+          <p:nvPr>
+            <p:ph type="sldNum" sz="quarter" idx="11"/>
+          </p:nvPr>
+        </p:nvSpPr>
+        <p:spPr/>
+        <p:txBody>
+          <a:bodyPr/>
+          <a:lstStyle/>
+          <a:p>
+            <a:fld id="{92CE3AC1-C231-4266-B594-3ACF466A7833}" type="slidenum">
+              <a:rPr lang="en-US" smtClean="0"/>
+              <a:pPr/>
+              <a:t>9</a:t>
+            </a:fld>
+            <a:endParaRPr lang="en-US" dirty="0"/>
+          </a:p>
+        </p:txBody>
+      </p:sp>
+      <p:pic>
+        <p:nvPicPr>
+          <p:cNvPr id="5122" name="Picture 2"/>
+          <p:cNvPicPr>
+            <a:picLocks noChangeAspect="1" noChangeArrowheads="1"/>
+          </p:cNvPicPr>
+          <p:nvPr/>
+        </p:nvPicPr>
+        <p:blipFill>
+          <a:blip r:embed="rId2"/>
+          <a:srcRect/>
+          <a:stretch>
+            <a:fillRect/>
+          </a:stretch>
+        </p:blipFill>
+        <p:spPr bwMode="auto">
+          <a:xfrm>
+            <a:off x="1752600" y="1663286"/>
+            <a:ext cx="6858000" cy="5194714"/>
+          </a:xfrm>
+          <a:prstGeom prst="rect">
+            <a:avLst/>
+          </a:prstGeom>
+          <a:noFill/>
+          <a:ln w="9525">
+            <a:noFill/>
+            <a:miter lim="800000"/>
+            <a:headEnd/>
+            <a:tailEnd/>
+          </a:ln>
+          <a:effectLst/>
+        </p:spPr>
+      </p:pic>
     </p:spTree>
   </p:cSld>
   <p:clrMapOvr>

--- a/powerpoints/Sprint 4.pptx
+++ b/powerpoints/Sprint 4.pptx
@@ -128,7 +128,7 @@
   </p:defaultTextStyle>
   <p:extLst>
     <p:ext uri="{EFAFB233-063F-42B5-8137-9DF3F51BA10A}">
-      <p15:sldGuideLst xmlns:p15="http://schemas.microsoft.com/office/powerpoint/2012/main" xmlns="">
+      <p15:sldGuideLst xmlns:p15="http://schemas.microsoft.com/office/powerpoint/2012/main">
         <p15:guide id="1" orient="horz" pos="2160">
           <p15:clr>
             <a:srgbClr val="A4A3A4"/>
@@ -142,7 +142,7 @@
       </p15:sldGuideLst>
     </p:ext>
     <p:ext uri="{2D200454-40CA-4A62-9FC3-DE9A4176ACB9}">
-      <p15:notesGuideLst xmlns:p15="http://schemas.microsoft.com/office/powerpoint/2012/main" xmlns="">
+      <p15:notesGuideLst xmlns:p15="http://schemas.microsoft.com/office/powerpoint/2012/main">
         <p15:guide id="1" orient="horz" pos="2880">
           <p15:clr>
             <a:srgbClr val="A4A3A4"/>
@@ -242,7 +242,7 @@
             <a:fld id="{0264D8D3-2931-44A9-B334-5BFA9548357C}" type="datetimeFigureOut">
               <a:rPr lang="en-US" smtClean="0"/>
               <a:pPr/>
-              <a:t>4/6/2015</a:t>
+              <a:t>Apr-06-15</a:t>
             </a:fld>
             <a:endParaRPr lang="en-US"/>
           </a:p>
@@ -318,7 +318,7 @@
     </p:spTree>
     <p:extLst>
       <p:ext uri="{BB962C8B-B14F-4D97-AF65-F5344CB8AC3E}">
-        <p14:creationId xmlns:p14="http://schemas.microsoft.com/office/powerpoint/2010/main" xmlns="" val="395052657"/>
+        <p14:creationId xmlns:p14="http://schemas.microsoft.com/office/powerpoint/2010/main" val="395052657"/>
       </p:ext>
     </p:extLst>
   </p:cSld>
@@ -409,7 +409,7 @@
             <a:fld id="{0D52FC71-4605-44B8-B91E-E08CC08CE37E}" type="datetimeFigureOut">
               <a:rPr lang="en-US" smtClean="0"/>
               <a:pPr/>
-              <a:t>4/6/2015</a:t>
+              <a:t>Apr-06-15</a:t>
             </a:fld>
             <a:endParaRPr lang="en-US"/>
           </a:p>
@@ -580,7 +580,7 @@
     </p:spTree>
     <p:extLst>
       <p:ext uri="{BB962C8B-B14F-4D97-AF65-F5344CB8AC3E}">
-        <p14:creationId xmlns:p14="http://schemas.microsoft.com/office/powerpoint/2010/main" xmlns="" val="291334106"/>
+        <p14:creationId xmlns:p14="http://schemas.microsoft.com/office/powerpoint/2010/main" val="291334106"/>
       </p:ext>
     </p:extLst>
   </p:cSld>
@@ -757,7 +757,7 @@
     </p:spTree>
     <p:extLst>
       <p:ext uri="{BB962C8B-B14F-4D97-AF65-F5344CB8AC3E}">
-        <p14:creationId xmlns:p14="http://schemas.microsoft.com/office/powerpoint/2010/main" xmlns="" val="1753582780"/>
+        <p14:creationId xmlns:p14="http://schemas.microsoft.com/office/powerpoint/2010/main" val="1753582780"/>
       </p:ext>
     </p:extLst>
   </p:cSld>
@@ -977,7 +977,7 @@
             <a:fld id="{EDD6F47A-24E7-43E7-9208-1DEC7B32FB92}" type="datetime1">
               <a:rPr lang="en-US" smtClean="0"/>
               <a:pPr/>
-              <a:t>4/6/2015</a:t>
+              <a:t>Apr-06-15</a:t>
             </a:fld>
             <a:endParaRPr lang="en-US" dirty="0"/>
           </a:p>
@@ -1249,7 +1249,7 @@
             <a:fld id="{0E74CF96-A2C2-42EA-8707-6EDB896690DD}" type="datetime1">
               <a:rPr lang="en-US" smtClean="0"/>
               <a:pPr/>
-              <a:t>4/6/2015</a:t>
+              <a:t>Apr-06-15</a:t>
             </a:fld>
             <a:endParaRPr lang="en-US" dirty="0"/>
           </a:p>
@@ -1460,7 +1460,7 @@
             <a:fld id="{92D438F3-C605-4160-8B04-C6240AE9C337}" type="datetime1">
               <a:rPr lang="en-US" smtClean="0"/>
               <a:pPr/>
-              <a:t>4/6/2015</a:t>
+              <a:t>Apr-06-15</a:t>
             </a:fld>
             <a:endParaRPr lang="en-US" dirty="0"/>
           </a:p>
@@ -1663,7 +1663,7 @@
             <a:fld id="{8CCEB446-CAE2-4DDF-8603-C814EA3D1799}" type="datetime1">
               <a:rPr lang="en-US" smtClean="0"/>
               <a:pPr/>
-              <a:t>4/6/2015</a:t>
+              <a:t>Apr-06-15</a:t>
             </a:fld>
             <a:endParaRPr lang="en-US" dirty="0"/>
           </a:p>
@@ -1866,7 +1866,7 @@
             <a:fld id="{C7285E7B-D7D9-4B8B-837B-632B34D796E0}" type="datetime1">
               <a:rPr lang="en-US" smtClean="0"/>
               <a:pPr/>
-              <a:t>4/6/2015</a:t>
+              <a:t>Apr-06-15</a:t>
             </a:fld>
             <a:endParaRPr lang="en-US" dirty="0"/>
           </a:p>
@@ -2144,7 +2144,7 @@
             <a:fld id="{62BF2FED-CFA0-4C9E-B3D8-54D6C9F3677E}" type="datetime1">
               <a:rPr lang="en-US" smtClean="0"/>
               <a:pPr/>
-              <a:t>4/6/2015</a:t>
+              <a:t>Apr-06-15</a:t>
             </a:fld>
             <a:endParaRPr lang="en-US" dirty="0"/>
           </a:p>
@@ -2437,7 +2437,7 @@
             <a:fld id="{973E0EB6-9529-4D7B-84B7-A5AA04321066}" type="datetime1">
               <a:rPr lang="en-US" smtClean="0"/>
               <a:pPr/>
-              <a:t>4/6/2015</a:t>
+              <a:t>Apr-06-15</a:t>
             </a:fld>
             <a:endParaRPr lang="en-US" dirty="0"/>
           </a:p>
@@ -2865,7 +2865,7 @@
             <a:fld id="{7E29DEC9-2AA5-43A0-9E2B-77A66E3482E2}" type="datetime1">
               <a:rPr lang="en-US" smtClean="0"/>
               <a:pPr/>
-              <a:t>4/6/2015</a:t>
+              <a:t>Apr-06-15</a:t>
             </a:fld>
             <a:endParaRPr lang="en-US" dirty="0"/>
           </a:p>
@@ -3320,7 +3320,7 @@
             <a:fld id="{3B41F5DB-043C-4249-8492-541621BB7C9B}" type="datetime1">
               <a:rPr lang="en-US" smtClean="0"/>
               <a:pPr/>
-              <a:t>4/6/2015</a:t>
+              <a:t>Apr-06-15</a:t>
             </a:fld>
             <a:endParaRPr lang="en-US" dirty="0"/>
           </a:p>
@@ -3479,7 +3479,7 @@
             <a:fld id="{3FC9A497-93CF-43C1-805C-73F5A8554AFC}" type="datetime1">
               <a:rPr lang="en-US" smtClean="0"/>
               <a:pPr/>
-              <a:t>4/6/2015</a:t>
+              <a:t>Apr-06-15</a:t>
             </a:fld>
             <a:endParaRPr lang="en-US" dirty="0"/>
           </a:p>
@@ -3615,7 +3615,7 @@
             <a:fld id="{4EB7A087-7565-48B4-A469-6A7119E3797E}" type="datetime1">
               <a:rPr lang="en-US" smtClean="0"/>
               <a:pPr/>
-              <a:t>4/6/2015</a:t>
+              <a:t>Apr-06-15</a:t>
             </a:fld>
             <a:endParaRPr lang="en-US" dirty="0"/>
           </a:p>
@@ -3933,7 +3933,7 @@
             <a:fld id="{20AF293B-D803-49EC-8CFA-49272D77DC19}" type="datetime1">
               <a:rPr lang="en-US" smtClean="0"/>
               <a:pPr/>
-              <a:t>4/6/2015</a:t>
+              <a:t>Apr-06-15</a:t>
             </a:fld>
             <a:endParaRPr lang="en-US" dirty="0"/>
           </a:p>
@@ -4253,7 +4253,7 @@
             <a:fld id="{D49FA766-B207-4F4C-9CE3-80B0488B4608}" type="datetime1">
               <a:rPr lang="en-US" smtClean="0"/>
               <a:pPr/>
-              <a:t>4/6/2015</a:t>
+              <a:t>Apr-06-15</a:t>
             </a:fld>
             <a:endParaRPr lang="en-US" dirty="0"/>
           </a:p>
@@ -4679,11 +4679,7 @@
           <a:p>
             <a:r>
               <a:rPr lang="en-US" dirty="0" smtClean="0"/>
-              <a:t>Running the </a:t>
-            </a:r>
-            <a:r>
-              <a:rPr lang="en-US" dirty="0" smtClean="0"/>
-              <a:t>Addition Demo</a:t>
+              <a:t>Running the Addition Demo</a:t>
             </a:r>
             <a:endParaRPr lang="en-US" dirty="0"/>
           </a:p>
@@ -4704,29 +4700,57 @@
           <a:bodyPr/>
           <a:lstStyle/>
           <a:p>
+            <a:pPr>
+              <a:lnSpc>
+                <a:spcPct val="150000"/>
+              </a:lnSpc>
+            </a:pPr>
             <a:r>
               <a:rPr lang="en-US" dirty="0" smtClean="0"/>
               <a:t>Ran with parameters:</a:t>
             </a:r>
+          </a:p>
+          <a:p>
+            <a:pPr>
+              <a:lnSpc>
+                <a:spcPct val="150000"/>
+              </a:lnSpc>
+            </a:pPr>
             <a:endParaRPr lang="en-US" dirty="0" smtClean="0"/>
           </a:p>
           <a:p>
+            <a:pPr>
+              <a:lnSpc>
+                <a:spcPct val="150000"/>
+              </a:lnSpc>
+            </a:pPr>
             <a:endParaRPr lang="en-US" dirty="0" smtClean="0"/>
           </a:p>
           <a:p>
+            <a:pPr>
+              <a:lnSpc>
+                <a:spcPct val="150000"/>
+              </a:lnSpc>
+            </a:pPr>
+            <a:r>
+              <a:rPr lang="en-US" dirty="0" smtClean="0"/>
+              <a:t>Result:</a:t>
+            </a:r>
+          </a:p>
+          <a:p>
+            <a:pPr>
+              <a:lnSpc>
+                <a:spcPct val="150000"/>
+              </a:lnSpc>
+            </a:pPr>
             <a:endParaRPr lang="en-US" dirty="0" smtClean="0"/>
           </a:p>
           <a:p>
-            <a:r>
-              <a:rPr lang="en-US" dirty="0" smtClean="0"/>
-              <a:t>Result:</a:t>
-            </a:r>
-            <a:endParaRPr lang="en-US" dirty="0" smtClean="0"/>
-          </a:p>
-          <a:p>
-            <a:endParaRPr lang="en-US" dirty="0" smtClean="0"/>
-          </a:p>
-          <a:p>
+            <a:pPr>
+              <a:lnSpc>
+                <a:spcPct val="150000"/>
+              </a:lnSpc>
+            </a:pPr>
             <a:endParaRPr lang="en-US" dirty="0" smtClean="0"/>
           </a:p>
         </p:txBody>
@@ -4772,8 +4796,8 @@
         </p:blipFill>
         <p:spPr bwMode="auto">
           <a:xfrm>
-            <a:off x="838200" y="2209800"/>
-            <a:ext cx="5276850" cy="228600"/>
+            <a:off x="658809" y="2560402"/>
+            <a:ext cx="7826381" cy="339049"/>
           </a:xfrm>
           <a:prstGeom prst="rect">
             <a:avLst/>
@@ -4805,8 +4829,8 @@
         </p:blipFill>
         <p:spPr bwMode="auto">
           <a:xfrm>
-            <a:off x="914400" y="4191000"/>
-            <a:ext cx="1143000" cy="438150"/>
+            <a:off x="3429000" y="4876800"/>
+            <a:ext cx="2286000" cy="876300"/>
           </a:xfrm>
           <a:prstGeom prst="rect">
             <a:avLst/>
@@ -4829,6 +4853,13 @@
   <p:transition>
     <p:fade thruBlk="1"/>
   </p:transition>
+  <p:timing>
+    <p:tnLst>
+      <p:par>
+        <p:cTn id="1" dur="indefinite" restart="never" nodeType="tmRoot"/>
+      </p:par>
+    </p:tnLst>
+  </p:timing>
 </p:sld>
 </file>
 
@@ -4889,18 +4920,38 @@
           <a:bodyPr/>
           <a:lstStyle/>
           <a:p>
+            <a:pPr>
+              <a:lnSpc>
+                <a:spcPct val="150000"/>
+              </a:lnSpc>
+            </a:pPr>
             <a:r>
               <a:rPr lang="en-US" dirty="0" smtClean="0"/>
               <a:t>Ran with parameters:</a:t>
             </a:r>
           </a:p>
           <a:p>
+            <a:pPr>
+              <a:lnSpc>
+                <a:spcPct val="150000"/>
+              </a:lnSpc>
+            </a:pPr>
             <a:endParaRPr lang="en-US" dirty="0" smtClean="0"/>
           </a:p>
           <a:p>
+            <a:pPr>
+              <a:lnSpc>
+                <a:spcPct val="150000"/>
+              </a:lnSpc>
+            </a:pPr>
             <a:endParaRPr lang="en-US" dirty="0" smtClean="0"/>
           </a:p>
           <a:p>
+            <a:pPr>
+              <a:lnSpc>
+                <a:spcPct val="150000"/>
+              </a:lnSpc>
+            </a:pPr>
             <a:r>
               <a:rPr lang="en-US" dirty="0" smtClean="0"/>
               <a:t>Result:</a:t>
@@ -4950,8 +5001,8 @@
         </p:blipFill>
         <p:spPr bwMode="auto">
           <a:xfrm>
-            <a:off x="838200" y="2209800"/>
-            <a:ext cx="5029200" cy="228600"/>
+            <a:off x="1219200" y="2639704"/>
+            <a:ext cx="6705600" cy="304800"/>
           </a:xfrm>
           <a:prstGeom prst="rect">
             <a:avLst/>
@@ -4983,8 +5034,8 @@
         </p:blipFill>
         <p:spPr bwMode="auto">
           <a:xfrm>
-            <a:off x="914400" y="4038600"/>
-            <a:ext cx="1133475" cy="447675"/>
+            <a:off x="3594457" y="5020486"/>
+            <a:ext cx="1955086" cy="772177"/>
           </a:xfrm>
           <a:prstGeom prst="rect">
             <a:avLst/>
@@ -5007,6 +5058,13 @@
   <p:transition>
     <p:fade thruBlk="1"/>
   </p:transition>
+  <p:timing>
+    <p:tnLst>
+      <p:par>
+        <p:cTn id="1" dur="indefinite" restart="never" nodeType="tmRoot"/>
+      </p:par>
+    </p:tnLst>
+  </p:timing>
 </p:sld>
 </file>
 
@@ -5067,18 +5125,38 @@
           <a:bodyPr/>
           <a:lstStyle/>
           <a:p>
+            <a:pPr>
+              <a:lnSpc>
+                <a:spcPct val="150000"/>
+              </a:lnSpc>
+            </a:pPr>
             <a:r>
               <a:rPr lang="en-US" dirty="0" smtClean="0"/>
               <a:t>Ran with parameters:</a:t>
             </a:r>
           </a:p>
           <a:p>
+            <a:pPr>
+              <a:lnSpc>
+                <a:spcPct val="150000"/>
+              </a:lnSpc>
+            </a:pPr>
             <a:endParaRPr lang="en-US" dirty="0" smtClean="0"/>
           </a:p>
           <a:p>
+            <a:pPr>
+              <a:lnSpc>
+                <a:spcPct val="150000"/>
+              </a:lnSpc>
+            </a:pPr>
             <a:endParaRPr lang="en-US" dirty="0" smtClean="0"/>
           </a:p>
           <a:p>
+            <a:pPr>
+              <a:lnSpc>
+                <a:spcPct val="150000"/>
+              </a:lnSpc>
+            </a:pPr>
             <a:r>
               <a:rPr lang="en-US" dirty="0" smtClean="0"/>
               <a:t>Result:</a:t>
@@ -5128,8 +5206,8 @@
         </p:blipFill>
         <p:spPr bwMode="auto">
           <a:xfrm>
-            <a:off x="762000" y="2209800"/>
-            <a:ext cx="5629275" cy="228600"/>
+            <a:off x="565044" y="2895600"/>
+            <a:ext cx="8013911" cy="325438"/>
           </a:xfrm>
           <a:prstGeom prst="rect">
             <a:avLst/>
@@ -5161,8 +5239,8 @@
         </p:blipFill>
         <p:spPr bwMode="auto">
           <a:xfrm>
-            <a:off x="1066800" y="4191000"/>
-            <a:ext cx="1114425" cy="428625"/>
+            <a:off x="3535088" y="5029200"/>
+            <a:ext cx="2073822" cy="797624"/>
           </a:xfrm>
           <a:prstGeom prst="rect">
             <a:avLst/>
@@ -5306,8 +5384,8 @@
         </p:blipFill>
         <p:spPr bwMode="auto">
           <a:xfrm>
-            <a:off x="1143000" y="2667000"/>
-            <a:ext cx="5553075" cy="228600"/>
+            <a:off x="889237" y="2731033"/>
+            <a:ext cx="7365525" cy="303212"/>
           </a:xfrm>
           <a:prstGeom prst="rect">
             <a:avLst/>
@@ -5339,8 +5417,8 @@
         </p:blipFill>
         <p:spPr bwMode="auto">
           <a:xfrm>
-            <a:off x="1143000" y="4038600"/>
-            <a:ext cx="6486525" cy="1019175"/>
+            <a:off x="692208" y="4285125"/>
+            <a:ext cx="7759581" cy="1219200"/>
           </a:xfrm>
           <a:prstGeom prst="rect">
             <a:avLst/>
@@ -5616,8 +5694,8 @@
         </p:blipFill>
         <p:spPr bwMode="auto">
           <a:xfrm>
-            <a:off x="838200" y="2286000"/>
-            <a:ext cx="7067550" cy="200025"/>
+            <a:off x="533400" y="2514600"/>
+            <a:ext cx="8077200" cy="228600"/>
           </a:xfrm>
           <a:prstGeom prst="rect">
             <a:avLst/>
@@ -5649,8 +5727,8 @@
         </p:blipFill>
         <p:spPr bwMode="auto">
           <a:xfrm>
-            <a:off x="1676400" y="4114800"/>
-            <a:ext cx="2971800" cy="1114425"/>
+            <a:off x="2781300" y="4244916"/>
+            <a:ext cx="3581400" cy="1343025"/>
           </a:xfrm>
           <a:prstGeom prst="rect">
             <a:avLst/>
@@ -5731,18 +5809,38 @@
           <a:bodyPr/>
           <a:lstStyle/>
           <a:p>
+            <a:pPr>
+              <a:lnSpc>
+                <a:spcPct val="150000"/>
+              </a:lnSpc>
+            </a:pPr>
             <a:r>
               <a:rPr lang="en-US" dirty="0" smtClean="0"/>
               <a:t>Ran with parameters:</a:t>
             </a:r>
           </a:p>
           <a:p>
+            <a:pPr>
+              <a:lnSpc>
+                <a:spcPct val="150000"/>
+              </a:lnSpc>
+            </a:pPr>
             <a:endParaRPr lang="en-US" dirty="0" smtClean="0"/>
           </a:p>
           <a:p>
+            <a:pPr>
+              <a:lnSpc>
+                <a:spcPct val="150000"/>
+              </a:lnSpc>
+            </a:pPr>
             <a:endParaRPr lang="en-US" dirty="0" smtClean="0"/>
           </a:p>
           <a:p>
+            <a:pPr>
+              <a:lnSpc>
+                <a:spcPct val="150000"/>
+              </a:lnSpc>
+            </a:pPr>
             <a:r>
               <a:rPr lang="en-US" dirty="0" smtClean="0"/>
               <a:t>Result:</a:t>
@@ -5792,8 +5890,8 @@
         </p:blipFill>
         <p:spPr bwMode="auto">
           <a:xfrm>
-            <a:off x="838200" y="2286000"/>
-            <a:ext cx="7153275" cy="171450"/>
+            <a:off x="228600" y="2743200"/>
+            <a:ext cx="8686800" cy="208206"/>
           </a:xfrm>
           <a:prstGeom prst="rect">
             <a:avLst/>
@@ -5825,8 +5923,8 @@
         </p:blipFill>
         <p:spPr bwMode="auto">
           <a:xfrm>
-            <a:off x="990600" y="4267200"/>
-            <a:ext cx="6305550" cy="1000125"/>
+            <a:off x="938802" y="4973638"/>
+            <a:ext cx="7266396" cy="1152525"/>
           </a:xfrm>
           <a:prstGeom prst="rect">
             <a:avLst/>
@@ -6167,7 +6265,7 @@
     </p:spTree>
     <p:extLst>
       <p:ext uri="{BB962C8B-B14F-4D97-AF65-F5344CB8AC3E}">
-        <p14:creationId xmlns:p14="http://schemas.microsoft.com/office/powerpoint/2010/main" xmlns="" val="3769006437"/>
+        <p14:creationId xmlns:p14="http://schemas.microsoft.com/office/powerpoint/2010/main" val="3769006437"/>
       </p:ext>
     </p:extLst>
   </p:cSld>
@@ -6242,18 +6340,33 @@
           <a:bodyPr/>
           <a:lstStyle/>
           <a:p>
+            <a:pPr>
+              <a:lnSpc>
+                <a:spcPct val="250000"/>
+              </a:lnSpc>
+            </a:pPr>
             <a:r>
               <a:rPr lang="en-US" dirty="0" smtClean="0"/>
               <a:t>100% Pass rate on unit testing</a:t>
             </a:r>
           </a:p>
           <a:p>
+            <a:pPr>
+              <a:lnSpc>
+                <a:spcPct val="250000"/>
+              </a:lnSpc>
+            </a:pPr>
             <a:r>
               <a:rPr lang="en-US" dirty="0" smtClean="0"/>
               <a:t>100% Pass rate on acceptance testing</a:t>
             </a:r>
           </a:p>
           <a:p>
+            <a:pPr>
+              <a:lnSpc>
+                <a:spcPct val="250000"/>
+              </a:lnSpc>
+            </a:pPr>
             <a:r>
               <a:rPr lang="en-US" dirty="0" smtClean="0"/>
               <a:t>99% Code coverage</a:t>
@@ -6308,7 +6421,7 @@
     </p:spTree>
     <p:extLst>
       <p:ext uri="{BB962C8B-B14F-4D97-AF65-F5344CB8AC3E}">
-        <p14:creationId xmlns:p14="http://schemas.microsoft.com/office/powerpoint/2010/main" xmlns="" val="242575127"/>
+        <p14:creationId xmlns:p14="http://schemas.microsoft.com/office/powerpoint/2010/main" val="242575127"/>
       </p:ext>
     </p:extLst>
   </p:cSld>
@@ -6382,18 +6495,33 @@
           <a:bodyPr/>
           <a:lstStyle/>
           <a:p>
+            <a:pPr>
+              <a:lnSpc>
+                <a:spcPct val="250000"/>
+              </a:lnSpc>
+            </a:pPr>
             <a:r>
               <a:rPr lang="en-US" dirty="0" smtClean="0"/>
               <a:t>All argument types covered</a:t>
             </a:r>
           </a:p>
           <a:p>
+            <a:pPr>
+              <a:lnSpc>
+                <a:spcPct val="250000"/>
+              </a:lnSpc>
+            </a:pPr>
             <a:r>
               <a:rPr lang="en-US" dirty="0" smtClean="0"/>
               <a:t>Writes to XML files</a:t>
             </a:r>
           </a:p>
           <a:p>
+            <a:pPr>
+              <a:lnSpc>
+                <a:spcPct val="250000"/>
+              </a:lnSpc>
+            </a:pPr>
             <a:r>
               <a:rPr lang="en-US" dirty="0" smtClean="0"/>
               <a:t>Reads from XML files</a:t>
@@ -6448,7 +6576,7 @@
     </p:spTree>
     <p:extLst>
       <p:ext uri="{BB962C8B-B14F-4D97-AF65-F5344CB8AC3E}">
-        <p14:creationId xmlns:p14="http://schemas.microsoft.com/office/powerpoint/2010/main" xmlns="" val="4246569213"/>
+        <p14:creationId xmlns:p14="http://schemas.microsoft.com/office/powerpoint/2010/main" val="4246569213"/>
       </p:ext>
     </p:extLst>
   </p:cSld>
@@ -6638,15 +6766,30 @@
           <a:bodyPr/>
           <a:lstStyle/>
           <a:p>
+            <a:pPr>
+              <a:lnSpc>
+                <a:spcPct val="150000"/>
+              </a:lnSpc>
+            </a:pPr>
             <a:r>
               <a:rPr lang="en-US" dirty="0" smtClean="0"/>
               <a:t>Ran with parameters:</a:t>
             </a:r>
           </a:p>
           <a:p>
+            <a:pPr>
+              <a:lnSpc>
+                <a:spcPct val="150000"/>
+              </a:lnSpc>
+            </a:pPr>
             <a:endParaRPr lang="en-US" dirty="0" smtClean="0"/>
           </a:p>
           <a:p>
+            <a:pPr>
+              <a:lnSpc>
+                <a:spcPct val="150000"/>
+              </a:lnSpc>
+            </a:pPr>
             <a:r>
               <a:rPr lang="en-US" dirty="0" smtClean="0"/>
               <a:t>Result:</a:t>
@@ -6722,8 +6865,8 @@
         </p:blipFill>
         <p:spPr bwMode="auto">
           <a:xfrm>
-            <a:off x="762000" y="2133600"/>
-            <a:ext cx="7162800" cy="228600"/>
+            <a:off x="914400" y="2590800"/>
+            <a:ext cx="7315200" cy="457200"/>
           </a:xfrm>
           <a:prstGeom prst="rect">
             <a:avLst/>
@@ -6746,6 +6889,13 @@
   <p:transition>
     <p:fade thruBlk="1"/>
   </p:transition>
+  <p:timing>
+    <p:tnLst>
+      <p:par>
+        <p:cTn id="1" dur="indefinite" restart="never" nodeType="tmRoot"/>
+      </p:par>
+    </p:tnLst>
+  </p:timing>
 </p:sld>
 </file>
 
@@ -6830,8 +6980,8 @@
         </p:blipFill>
         <p:spPr bwMode="auto">
           <a:xfrm>
-            <a:off x="0" y="1828800"/>
-            <a:ext cx="9144000" cy="3286125"/>
+            <a:off x="0" y="1981200"/>
+            <a:ext cx="9144000" cy="3505200"/>
           </a:xfrm>
           <a:prstGeom prst="rect">
             <a:avLst/>
@@ -6898,15 +7048,7 @@
           <a:p>
             <a:r>
               <a:rPr lang="en-US" dirty="0" smtClean="0"/>
-              <a:t>Running XML </a:t>
-            </a:r>
-            <a:r>
-              <a:rPr lang="en-US" dirty="0" smtClean="0"/>
-              <a:t>Load </a:t>
-            </a:r>
-            <a:r>
-              <a:rPr lang="en-US" dirty="0" smtClean="0"/>
-              <a:t>Demo</a:t>
+              <a:t>Running XML Load Demo</a:t>
             </a:r>
             <a:endParaRPr lang="en-US" dirty="0"/>
           </a:p>
@@ -6927,20 +7069,34 @@
           <a:bodyPr/>
           <a:lstStyle/>
           <a:p>
+            <a:pPr>
+              <a:lnSpc>
+                <a:spcPct val="200000"/>
+              </a:lnSpc>
+            </a:pPr>
             <a:r>
               <a:rPr lang="en-US" dirty="0" smtClean="0"/>
               <a:t>Ran with parameters:</a:t>
             </a:r>
           </a:p>
           <a:p>
+            <a:pPr>
+              <a:lnSpc>
+                <a:spcPct val="200000"/>
+              </a:lnSpc>
+            </a:pPr>
             <a:endParaRPr lang="en-US" dirty="0" smtClean="0"/>
           </a:p>
           <a:p>
+            <a:pPr>
+              <a:lnSpc>
+                <a:spcPct val="200000"/>
+              </a:lnSpc>
+            </a:pPr>
             <a:r>
               <a:rPr lang="en-US" dirty="0" smtClean="0"/>
               <a:t>Result:</a:t>
             </a:r>
-            <a:endParaRPr lang="en-US" dirty="0" smtClean="0"/>
           </a:p>
         </p:txBody>
       </p:sp>
@@ -7004,8 +7160,8 @@
         </p:blipFill>
         <p:spPr bwMode="auto">
           <a:xfrm>
-            <a:off x="228600" y="2133600"/>
-            <a:ext cx="8686800" cy="152400"/>
+            <a:off x="228600" y="2690884"/>
+            <a:ext cx="8686800" cy="381000"/>
           </a:xfrm>
           <a:prstGeom prst="rect">
             <a:avLst/>
@@ -7037,8 +7193,8 @@
         </p:blipFill>
         <p:spPr bwMode="auto">
           <a:xfrm>
-            <a:off x="914400" y="3352800"/>
-            <a:ext cx="5162550" cy="285750"/>
+            <a:off x="1130300" y="4876800"/>
+            <a:ext cx="6883400" cy="381000"/>
           </a:xfrm>
           <a:prstGeom prst="rect">
             <a:avLst/>
@@ -7061,6 +7217,13 @@
   <p:transition>
     <p:fade thruBlk="1"/>
   </p:transition>
+  <p:timing>
+    <p:tnLst>
+      <p:par>
+        <p:cTn id="1" dur="indefinite" restart="never" nodeType="tmRoot"/>
+      </p:par>
+    </p:tnLst>
+  </p:timing>
 </p:sld>
 </file>
 
